--- a/Documentatie_video/IoT_Lab_DVDW_Video.pptx
+++ b/Documentatie_video/IoT_Lab_DVDW_Video.pptx
@@ -9,10 +9,10 @@
   </p:notesMasterIdLst>
   <p:sldIdLst>
     <p:sldId id="256" r:id="rId2"/>
-    <p:sldId id="257" r:id="rId3"/>
-    <p:sldId id="258" r:id="rId4"/>
-    <p:sldId id="259" r:id="rId5"/>
-    <p:sldId id="261" r:id="rId6"/>
+    <p:sldId id="258" r:id="rId3"/>
+    <p:sldId id="259" r:id="rId4"/>
+    <p:sldId id="261" r:id="rId5"/>
+    <p:sldId id="263" r:id="rId6"/>
   </p:sldIdLst>
   <p:sldSz cx="12192000" cy="6858000"/>
   <p:notesSz cx="6858000" cy="9144000"/>
@@ -563,7 +563,7 @@
           <a:p>
             <a:fld id="{18064708-DA55-4107-B33A-BBD32E430C8C}" type="datetimeFigureOut">
               <a:rPr lang="nl-BE" smtClean="0"/>
-              <a:t>11/11/2022</a:t>
+              <a:t>12/11/2022</a:t>
             </a:fld>
             <a:endParaRPr lang="nl-BE"/>
           </a:p>
@@ -831,6 +831,93 @@
 </p:notesMaster>
 </file>
 
+<file path=ppt/notesSlides/notesSlide1.xml><?xml version="1.0" encoding="utf-8"?>
+<p:notes xmlns:a="http://schemas.openxmlformats.org/drawingml/2006/main" xmlns:r="http://schemas.openxmlformats.org/officeDocument/2006/relationships" xmlns:p="http://schemas.openxmlformats.org/presentationml/2006/main">
+  <p:cSld>
+    <p:spTree>
+      <p:nvGrpSpPr>
+        <p:cNvPr id="1" name=""/>
+        <p:cNvGrpSpPr/>
+        <p:nvPr/>
+      </p:nvGrpSpPr>
+      <p:grpSpPr>
+        <a:xfrm>
+          <a:off x="0" y="0"/>
+          <a:ext cx="0" cy="0"/>
+          <a:chOff x="0" y="0"/>
+          <a:chExt cx="0" cy="0"/>
+        </a:xfrm>
+      </p:grpSpPr>
+      <p:sp>
+        <p:nvSpPr>
+          <p:cNvPr id="2" name="Tijdelijke aanduiding voor dia-afbeelding 1"/>
+          <p:cNvSpPr>
+            <a:spLocks noGrp="1" noRot="1" noChangeAspect="1"/>
+          </p:cNvSpPr>
+          <p:nvPr>
+            <p:ph type="sldImg"/>
+          </p:nvPr>
+        </p:nvSpPr>
+        <p:spPr/>
+      </p:sp>
+      <p:sp>
+        <p:nvSpPr>
+          <p:cNvPr id="3" name="Tijdelijke aanduiding voor notities 2"/>
+          <p:cNvSpPr>
+            <a:spLocks noGrp="1"/>
+          </p:cNvSpPr>
+          <p:nvPr>
+            <p:ph type="body" idx="1"/>
+          </p:nvPr>
+        </p:nvSpPr>
+        <p:spPr/>
+        <p:txBody>
+          <a:bodyPr/>
+          <a:lstStyle/>
+          <a:p>
+            <a:r>
+              <a:rPr lang="nl-BE" dirty="0"/>
+              <a:t>Story telling = vertellen hoe het project gegaan is</a:t>
+            </a:r>
+          </a:p>
+        </p:txBody>
+      </p:sp>
+      <p:sp>
+        <p:nvSpPr>
+          <p:cNvPr id="4" name="Tijdelijke aanduiding voor dianummer 3"/>
+          <p:cNvSpPr>
+            <a:spLocks noGrp="1"/>
+          </p:cNvSpPr>
+          <p:nvPr>
+            <p:ph type="sldNum" sz="quarter" idx="5"/>
+          </p:nvPr>
+        </p:nvSpPr>
+        <p:spPr/>
+        <p:txBody>
+          <a:bodyPr/>
+          <a:lstStyle/>
+          <a:p>
+            <a:fld id="{3B4F1927-DF3B-42AB-8F84-4D69B5F6B990}" type="slidenum">
+              <a:rPr lang="nl-BE" smtClean="0"/>
+              <a:t>2</a:t>
+            </a:fld>
+            <a:endParaRPr lang="nl-BE"/>
+          </a:p>
+        </p:txBody>
+      </p:sp>
+    </p:spTree>
+    <p:extLst>
+      <p:ext uri="{BB962C8B-B14F-4D97-AF65-F5344CB8AC3E}">
+        <p14:creationId xmlns:p14="http://schemas.microsoft.com/office/powerpoint/2010/main" val="1063053280"/>
+      </p:ext>
+    </p:extLst>
+  </p:cSld>
+  <p:clrMapOvr>
+    <a:masterClrMapping/>
+  </p:clrMapOvr>
+</p:notes>
+</file>
+
 <file path=ppt/slideLayouts/slideLayout1.xml><?xml version="1.0" encoding="utf-8"?>
 <p:sldLayout xmlns:a="http://schemas.openxmlformats.org/drawingml/2006/main" xmlns:r="http://schemas.openxmlformats.org/officeDocument/2006/relationships" xmlns:p="http://schemas.openxmlformats.org/presentationml/2006/main" type="title" preserve="1">
   <p:cSld name="Titeldia">
@@ -2240,7 +2327,7 @@
           <a:p>
             <a:fld id="{4CB90820-8407-4F7E-86DB-46B89DAD86DF}" type="datetimeFigureOut">
               <a:rPr lang="nl-BE" smtClean="0"/>
-              <a:t>11/11/2022</a:t>
+              <a:t>12/11/2022</a:t>
             </a:fld>
             <a:endParaRPr lang="nl-BE"/>
           </a:p>
@@ -3699,7 +3786,7 @@
           <a:p>
             <a:fld id="{4CB90820-8407-4F7E-86DB-46B89DAD86DF}" type="datetimeFigureOut">
               <a:rPr lang="nl-BE" smtClean="0"/>
-              <a:t>11/11/2022</a:t>
+              <a:t>12/11/2022</a:t>
             </a:fld>
             <a:endParaRPr lang="nl-BE"/>
           </a:p>
@@ -5152,7 +5239,7 @@
           <a:p>
             <a:fld id="{4CB90820-8407-4F7E-86DB-46B89DAD86DF}" type="datetimeFigureOut">
               <a:rPr lang="nl-BE" smtClean="0"/>
-              <a:t>11/11/2022</a:t>
+              <a:t>12/11/2022</a:t>
             </a:fld>
             <a:endParaRPr lang="nl-BE"/>
           </a:p>
@@ -6607,7 +6694,7 @@
           <a:p>
             <a:fld id="{4CB90820-8407-4F7E-86DB-46B89DAD86DF}" type="datetimeFigureOut">
               <a:rPr lang="nl-BE" smtClean="0"/>
-              <a:t>11/11/2022</a:t>
+              <a:t>12/11/2022</a:t>
             </a:fld>
             <a:endParaRPr lang="nl-BE"/>
           </a:p>
@@ -8115,7 +8202,7 @@
           <a:p>
             <a:fld id="{4CB90820-8407-4F7E-86DB-46B89DAD86DF}" type="datetimeFigureOut">
               <a:rPr lang="nl-BE" smtClean="0"/>
-              <a:t>11/11/2022</a:t>
+              <a:t>12/11/2022</a:t>
             </a:fld>
             <a:endParaRPr lang="nl-BE"/>
           </a:p>
@@ -9636,7 +9723,7 @@
           <a:p>
             <a:fld id="{4CB90820-8407-4F7E-86DB-46B89DAD86DF}" type="datetimeFigureOut">
               <a:rPr lang="nl-BE" smtClean="0"/>
-              <a:t>11/11/2022</a:t>
+              <a:t>12/11/2022</a:t>
             </a:fld>
             <a:endParaRPr lang="nl-BE"/>
           </a:p>
@@ -11301,7 +11388,7 @@
           <a:p>
             <a:fld id="{4CB90820-8407-4F7E-86DB-46B89DAD86DF}" type="datetimeFigureOut">
               <a:rPr lang="nl-BE" smtClean="0"/>
-              <a:t>11/11/2022</a:t>
+              <a:t>12/11/2022</a:t>
             </a:fld>
             <a:endParaRPr lang="nl-BE"/>
           </a:p>
@@ -12699,7 +12786,7 @@
           <a:p>
             <a:fld id="{4CB90820-8407-4F7E-86DB-46B89DAD86DF}" type="datetimeFigureOut">
               <a:rPr lang="nl-BE" smtClean="0"/>
-              <a:t>11/11/2022</a:t>
+              <a:t>12/11/2022</a:t>
             </a:fld>
             <a:endParaRPr lang="nl-BE"/>
           </a:p>
@@ -12799,7 +12886,7 @@
           <a:p>
             <a:fld id="{4CB90820-8407-4F7E-86DB-46B89DAD86DF}" type="datetimeFigureOut">
               <a:rPr lang="nl-BE" smtClean="0"/>
-              <a:t>11/11/2022</a:t>
+              <a:t>12/11/2022</a:t>
             </a:fld>
             <a:endParaRPr lang="nl-BE"/>
           </a:p>
@@ -14325,7 +14412,7 @@
           <a:p>
             <a:fld id="{4CB90820-8407-4F7E-86DB-46B89DAD86DF}" type="datetimeFigureOut">
               <a:rPr lang="nl-BE" smtClean="0"/>
-              <a:t>11/11/2022</a:t>
+              <a:t>12/11/2022</a:t>
             </a:fld>
             <a:endParaRPr lang="nl-BE"/>
           </a:p>
@@ -15861,7 +15948,7 @@
           <a:p>
             <a:fld id="{4CB90820-8407-4F7E-86DB-46B89DAD86DF}" type="datetimeFigureOut">
               <a:rPr lang="nl-BE" smtClean="0"/>
-              <a:t>11/11/2022</a:t>
+              <a:t>12/11/2022</a:t>
             </a:fld>
             <a:endParaRPr lang="nl-BE"/>
           </a:p>
@@ -16084,7 +16171,7 @@
           <a:p>
             <a:fld id="{4CB90820-8407-4F7E-86DB-46B89DAD86DF}" type="datetimeFigureOut">
               <a:rPr lang="nl-BE" smtClean="0"/>
-              <a:t>11/11/2022</a:t>
+              <a:t>12/11/2022</a:t>
             </a:fld>
             <a:endParaRPr lang="nl-BE"/>
           </a:p>
@@ -16639,7 +16726,7 @@
           <p:cNvPr id="2" name="Titel 1">
             <a:extLst>
               <a:ext uri="{FF2B5EF4-FFF2-40B4-BE49-F238E27FC236}">
-                <a16:creationId xmlns:a16="http://schemas.microsoft.com/office/drawing/2014/main" id="{C5DF5D3C-4FF4-0AEE-DE90-03919A45AFC0}"/>
+                <a16:creationId xmlns:a16="http://schemas.microsoft.com/office/drawing/2014/main" id="{A4C030C4-2BD8-F3AE-2122-AD55CFA51E96}"/>
               </a:ext>
             </a:extLst>
           </p:cNvPr>
@@ -16655,10 +16742,16 @@
           <a:bodyPr/>
           <a:lstStyle/>
           <a:p>
+            <a:br>
+              <a:rPr lang="en-US" dirty="0"/>
+            </a:br>
             <a:r>
               <a:rPr lang="en-US" dirty="0"/>
-              <a:t>?</a:t>
+              <a:t>Video plan</a:t>
             </a:r>
+            <a:br>
+              <a:rPr lang="en-US" dirty="0"/>
+            </a:br>
             <a:endParaRPr lang="en-BE" dirty="0"/>
           </a:p>
         </p:txBody>
@@ -16668,7 +16761,7 @@
           <p:cNvPr id="3" name="Tijdelijke aanduiding voor inhoud 2">
             <a:extLst>
               <a:ext uri="{FF2B5EF4-FFF2-40B4-BE49-F238E27FC236}">
-                <a16:creationId xmlns:a16="http://schemas.microsoft.com/office/drawing/2014/main" id="{7E718731-E62E-95E1-12DD-A7C56B02B1E1}"/>
+                <a16:creationId xmlns:a16="http://schemas.microsoft.com/office/drawing/2014/main" id="{C9DDB364-EB02-4279-7155-5DD65E4B9CC0}"/>
               </a:ext>
             </a:extLst>
           </p:cNvPr>
@@ -16684,28 +16777,48 @@
           <a:bodyPr/>
           <a:lstStyle/>
           <a:p>
+            <a:pPr marL="342900" indent="-342900">
+              <a:buFont typeface="+mj-lt"/>
+              <a:buAutoNum type="arabicPeriod"/>
+            </a:pPr>
             <a:r>
-              <a:rPr lang="en-US" dirty="0"/>
-              <a:t>Video plan</a:t>
+              <a:rPr lang="nl-BE" dirty="0"/>
+              <a:t>Logo’s + muziek + project uitleggen</a:t>
             </a:r>
           </a:p>
           <a:p>
+            <a:pPr marL="342900" indent="-342900">
+              <a:buFont typeface="+mj-lt"/>
+              <a:buAutoNum type="arabicPeriod"/>
+            </a:pPr>
             <a:r>
-              <a:rPr lang="en-US" dirty="0" err="1"/>
-              <a:t>Beeld</a:t>
-            </a:r>
-            <a:r>
-              <a:rPr lang="en-US" dirty="0"/>
-              <a:t> material</a:t>
+              <a:rPr lang="nl-BE" dirty="0"/>
+              <a:t>Storytelling &amp; testen tonen</a:t>
             </a:r>
           </a:p>
           <a:p>
+            <a:pPr marL="342900" indent="-342900">
+              <a:buFont typeface="+mj-lt"/>
+              <a:buAutoNum type="arabicPeriod"/>
+            </a:pPr>
             <a:r>
-              <a:rPr lang="en-US" dirty="0"/>
-              <a:t>Script</a:t>
+              <a:rPr lang="nl-BE" dirty="0"/>
+              <a:t>Eindresultaat uitleggen</a:t>
             </a:r>
           </a:p>
           <a:p>
+            <a:pPr marL="342900" indent="-342900">
+              <a:buFont typeface="+mj-lt"/>
+              <a:buAutoNum type="arabicPeriod"/>
+            </a:pPr>
+            <a:r>
+              <a:rPr lang="nl-BE" dirty="0"/>
+              <a:t>Documentatie tonen + </a:t>
+            </a:r>
+            <a:r>
+              <a:rPr lang="nl-BE" dirty="0" err="1"/>
+              <a:t>credits</a:t>
+            </a:r>
             <a:endParaRPr lang="en-BE" dirty="0"/>
           </a:p>
         </p:txBody>
@@ -16713,7 +16826,7 @@
     </p:spTree>
     <p:extLst>
       <p:ext uri="{BB962C8B-B14F-4D97-AF65-F5344CB8AC3E}">
-        <p14:creationId xmlns:p14="http://schemas.microsoft.com/office/powerpoint/2010/main" val="4153933131"/>
+        <p14:creationId xmlns:p14="http://schemas.microsoft.com/office/powerpoint/2010/main" val="3950108912"/>
       </p:ext>
     </p:extLst>
   </p:cSld>
@@ -16745,7 +16858,7 @@
           <p:cNvPr id="2" name="Titel 1">
             <a:extLst>
               <a:ext uri="{FF2B5EF4-FFF2-40B4-BE49-F238E27FC236}">
-                <a16:creationId xmlns:a16="http://schemas.microsoft.com/office/drawing/2014/main" id="{A4C030C4-2BD8-F3AE-2122-AD55CFA51E96}"/>
+                <a16:creationId xmlns:a16="http://schemas.microsoft.com/office/drawing/2014/main" id="{EB31CFEA-1F4B-7CB5-8083-9353E6670347}"/>
               </a:ext>
             </a:extLst>
           </p:cNvPr>
@@ -16762,105 +16875,14 @@
           <a:lstStyle/>
           <a:p>
             <a:r>
-              <a:rPr lang="en-US" dirty="0"/>
-              <a:t>Video plan</a:t>
+              <a:rPr lang="en-US"/>
+              <a:t>Beeld material</a:t>
             </a:r>
             <a:br>
-              <a:rPr lang="en-US" dirty="0"/>
-            </a:br>
-            <a:endParaRPr lang="en-BE" dirty="0"/>
-          </a:p>
-        </p:txBody>
-      </p:sp>
-      <p:sp>
-        <p:nvSpPr>
-          <p:cNvPr id="3" name="Tijdelijke aanduiding voor inhoud 2">
-            <a:extLst>
-              <a:ext uri="{FF2B5EF4-FFF2-40B4-BE49-F238E27FC236}">
-                <a16:creationId xmlns:a16="http://schemas.microsoft.com/office/drawing/2014/main" id="{C9DDB364-EB02-4279-7155-5DD65E4B9CC0}"/>
-              </a:ext>
-            </a:extLst>
-          </p:cNvPr>
-          <p:cNvSpPr>
-            <a:spLocks noGrp="1"/>
-          </p:cNvSpPr>
-          <p:nvPr>
-            <p:ph idx="1"/>
-          </p:nvPr>
-        </p:nvSpPr>
-        <p:spPr/>
-        <p:txBody>
-          <a:bodyPr/>
-          <a:lstStyle/>
-          <a:p>
-            <a:endParaRPr lang="en-BE" dirty="0"/>
-          </a:p>
-        </p:txBody>
-      </p:sp>
-    </p:spTree>
-    <p:extLst>
-      <p:ext uri="{BB962C8B-B14F-4D97-AF65-F5344CB8AC3E}">
-        <p14:creationId xmlns:p14="http://schemas.microsoft.com/office/powerpoint/2010/main" val="3950108912"/>
-      </p:ext>
-    </p:extLst>
-  </p:cSld>
-  <p:clrMapOvr>
-    <a:masterClrMapping/>
-  </p:clrMapOvr>
-</p:sld>
-</file>
-
-<file path=ppt/slides/slide4.xml><?xml version="1.0" encoding="utf-8"?>
-<p:sld xmlns:a="http://schemas.openxmlformats.org/drawingml/2006/main" xmlns:r="http://schemas.openxmlformats.org/officeDocument/2006/relationships" xmlns:p="http://schemas.openxmlformats.org/presentationml/2006/main">
-  <p:cSld>
-    <p:spTree>
-      <p:nvGrpSpPr>
-        <p:cNvPr id="1" name=""/>
-        <p:cNvGrpSpPr/>
-        <p:nvPr/>
-      </p:nvGrpSpPr>
-      <p:grpSpPr>
-        <a:xfrm>
-          <a:off x="0" y="0"/>
-          <a:ext cx="0" cy="0"/>
-          <a:chOff x="0" y="0"/>
-          <a:chExt cx="0" cy="0"/>
-        </a:xfrm>
-      </p:grpSpPr>
-      <p:sp>
-        <p:nvSpPr>
-          <p:cNvPr id="2" name="Titel 1">
-            <a:extLst>
-              <a:ext uri="{FF2B5EF4-FFF2-40B4-BE49-F238E27FC236}">
-                <a16:creationId xmlns:a16="http://schemas.microsoft.com/office/drawing/2014/main" id="{EB31CFEA-1F4B-7CB5-8083-9353E6670347}"/>
-              </a:ext>
-            </a:extLst>
-          </p:cNvPr>
-          <p:cNvSpPr>
-            <a:spLocks noGrp="1"/>
-          </p:cNvSpPr>
-          <p:nvPr>
-            <p:ph type="title"/>
-          </p:nvPr>
-        </p:nvSpPr>
-        <p:spPr/>
-        <p:txBody>
-          <a:bodyPr/>
-          <a:lstStyle/>
-          <a:p>
-            <a:r>
-              <a:rPr lang="en-US" dirty="0" err="1"/>
-              <a:t>Beeld</a:t>
-            </a:r>
-            <a:r>
-              <a:rPr lang="en-US" dirty="0"/>
-              <a:t> material</a:t>
-            </a:r>
-            <a:br>
-              <a:rPr lang="en-US" dirty="0"/>
+              <a:rPr lang="en-US"/>
             </a:br>
             <a:r>
-              <a:rPr lang="en-US" dirty="0" err="1"/>
+              <a:rPr lang="en-US"/>
               <a:t>Foto’s</a:t>
             </a:r>
             <a:endParaRPr lang="en-BE" dirty="0"/>
@@ -16897,17 +16919,17 @@
         </p:blipFill>
         <p:spPr>
           <a:xfrm rot="5400000">
-            <a:off x="4277463" y="747200"/>
-            <a:ext cx="2623743" cy="1967807"/>
+            <a:off x="6078437" y="3442941"/>
+            <a:ext cx="3264653" cy="2448489"/>
           </a:xfrm>
         </p:spPr>
       </p:pic>
       <p:pic>
         <p:nvPicPr>
-          <p:cNvPr id="7" name="Afbeelding 6" descr="Afbeelding met tekst, binnen&#10;&#10;Automatisch gegenereerde beschrijving">
+          <p:cNvPr id="9" name="Afbeelding 8">
             <a:extLst>
               <a:ext uri="{FF2B5EF4-FFF2-40B4-BE49-F238E27FC236}">
-                <a16:creationId xmlns:a16="http://schemas.microsoft.com/office/drawing/2014/main" id="{C0E61394-0AD3-D71F-6F2F-8F779BA08760}"/>
+                <a16:creationId xmlns:a16="http://schemas.microsoft.com/office/drawing/2014/main" id="{7E911961-1B8C-5820-FCC3-2CB44C5826E8}"/>
               </a:ext>
             </a:extLst>
           </p:cNvPr>
@@ -16930,80 +16952,8 @@
         </p:blipFill>
         <p:spPr>
           <a:xfrm>
-            <a:off x="9242815" y="705286"/>
-            <a:ext cx="2735511" cy="2051633"/>
-          </a:xfrm>
-          <a:prstGeom prst="rect">
-            <a:avLst/>
-          </a:prstGeom>
-        </p:spPr>
-      </p:pic>
-      <p:pic>
-        <p:nvPicPr>
-          <p:cNvPr id="9" name="Afbeelding 8">
-            <a:extLst>
-              <a:ext uri="{FF2B5EF4-FFF2-40B4-BE49-F238E27FC236}">
-                <a16:creationId xmlns:a16="http://schemas.microsoft.com/office/drawing/2014/main" id="{7E911961-1B8C-5820-FCC3-2CB44C5826E8}"/>
-              </a:ext>
-            </a:extLst>
-          </p:cNvPr>
-          <p:cNvPicPr>
-            <a:picLocks noChangeAspect="1"/>
-          </p:cNvPicPr>
-          <p:nvPr/>
-        </p:nvPicPr>
-        <p:blipFill>
-          <a:blip r:embed="rId4">
-            <a:extLst>
-              <a:ext uri="{28A0092B-C50C-407E-A947-70E740481C1C}">
-                <a14:useLocalDpi xmlns:a14="http://schemas.microsoft.com/office/drawing/2010/main" val="0"/>
-              </a:ext>
-            </a:extLst>
-          </a:blip>
-          <a:stretch>
-            <a:fillRect/>
-          </a:stretch>
-        </p:blipFill>
-        <p:spPr>
-          <a:xfrm>
-            <a:off x="6616554" y="762499"/>
-            <a:ext cx="2582944" cy="1937208"/>
-          </a:xfrm>
-          <a:prstGeom prst="rect">
-            <a:avLst/>
-          </a:prstGeom>
-        </p:spPr>
-      </p:pic>
-      <p:pic>
-        <p:nvPicPr>
-          <p:cNvPr id="11" name="Afbeelding 10" descr="Afbeelding met binnen, venster, vloer, kamer&#10;&#10;Automatisch gegenereerde beschrijving">
-            <a:extLst>
-              <a:ext uri="{FF2B5EF4-FFF2-40B4-BE49-F238E27FC236}">
-                <a16:creationId xmlns:a16="http://schemas.microsoft.com/office/drawing/2014/main" id="{53B0DE58-91EA-BD4D-83A5-85EC70F7A17C}"/>
-              </a:ext>
-            </a:extLst>
-          </p:cNvPr>
-          <p:cNvPicPr>
-            <a:picLocks noChangeAspect="1"/>
-          </p:cNvPicPr>
-          <p:nvPr/>
-        </p:nvPicPr>
-        <p:blipFill>
-          <a:blip r:embed="rId5">
-            <a:extLst>
-              <a:ext uri="{28A0092B-C50C-407E-A947-70E740481C1C}">
-                <a14:useLocalDpi xmlns:a14="http://schemas.microsoft.com/office/drawing/2010/main" val="0"/>
-              </a:ext>
-            </a:extLst>
-          </a:blip>
-          <a:stretch>
-            <a:fillRect/>
-          </a:stretch>
-        </p:blipFill>
-        <p:spPr>
-          <a:xfrm>
-            <a:off x="8502978" y="3242821"/>
-            <a:ext cx="3475348" cy="2606511"/>
+            <a:off x="4684504" y="3032692"/>
+            <a:ext cx="1801178" cy="1350883"/>
           </a:xfrm>
           <a:prstGeom prst="rect">
             <a:avLst/>
@@ -17025,7 +16975,7 @@
           <p:nvPr/>
         </p:nvPicPr>
         <p:blipFill>
-          <a:blip r:embed="rId6">
+          <a:blip r:embed="rId4">
             <a:extLst>
               <a:ext uri="{28A0092B-C50C-407E-A947-70E740481C1C}">
                 <a14:useLocalDpi xmlns:a14="http://schemas.microsoft.com/office/drawing/2010/main" val="0"/>
@@ -17038,8 +16988,116 @@
         </p:blipFill>
         <p:spPr>
           <a:xfrm>
-            <a:off x="4605431" y="3314825"/>
-            <a:ext cx="3379342" cy="2534507"/>
+            <a:off x="4684504" y="4383575"/>
+            <a:ext cx="1801177" cy="1350883"/>
+          </a:xfrm>
+          <a:prstGeom prst="rect">
+            <a:avLst/>
+          </a:prstGeom>
+        </p:spPr>
+      </p:pic>
+      <p:pic>
+        <p:nvPicPr>
+          <p:cNvPr id="8" name="Afbeelding 7" descr="Afbeelding met tekst, binnen, computer&#10;&#10;Automatisch gegenereerde beschrijving">
+            <a:extLst>
+              <a:ext uri="{FF2B5EF4-FFF2-40B4-BE49-F238E27FC236}">
+                <a16:creationId xmlns:a16="http://schemas.microsoft.com/office/drawing/2014/main" id="{8F8C1EDC-C651-4184-B48D-D21E2B4AC891}"/>
+              </a:ext>
+            </a:extLst>
+          </p:cNvPr>
+          <p:cNvPicPr>
+            <a:picLocks noChangeAspect="1"/>
+          </p:cNvPicPr>
+          <p:nvPr/>
+        </p:nvPicPr>
+        <p:blipFill>
+          <a:blip r:embed="rId5">
+            <a:extLst>
+              <a:ext uri="{28A0092B-C50C-407E-A947-70E740481C1C}">
+                <a14:useLocalDpi xmlns:a14="http://schemas.microsoft.com/office/drawing/2010/main" val="0"/>
+              </a:ext>
+            </a:extLst>
+          </a:blip>
+          <a:stretch>
+            <a:fillRect/>
+          </a:stretch>
+        </p:blipFill>
+        <p:spPr>
+          <a:xfrm rot="5400000">
+            <a:off x="8470700" y="3049359"/>
+            <a:ext cx="3714458" cy="2785843"/>
+          </a:xfrm>
+          <a:prstGeom prst="rect">
+            <a:avLst/>
+          </a:prstGeom>
+        </p:spPr>
+      </p:pic>
+      <p:pic>
+        <p:nvPicPr>
+          <p:cNvPr id="7" name="Afbeelding 6" descr="Afbeelding met tekst, binnen&#10;&#10;Automatisch gegenereerde beschrijving">
+            <a:extLst>
+              <a:ext uri="{FF2B5EF4-FFF2-40B4-BE49-F238E27FC236}">
+                <a16:creationId xmlns:a16="http://schemas.microsoft.com/office/drawing/2014/main" id="{C0E61394-0AD3-D71F-6F2F-8F779BA08760}"/>
+              </a:ext>
+            </a:extLst>
+          </p:cNvPr>
+          <p:cNvPicPr>
+            <a:picLocks noChangeAspect="1"/>
+          </p:cNvPicPr>
+          <p:nvPr/>
+        </p:nvPicPr>
+        <p:blipFill>
+          <a:blip r:embed="rId6">
+            <a:extLst>
+              <a:ext uri="{28A0092B-C50C-407E-A947-70E740481C1C}">
+                <a14:useLocalDpi xmlns:a14="http://schemas.microsoft.com/office/drawing/2010/main" val="0"/>
+              </a:ext>
+            </a:extLst>
+          </a:blip>
+          <a:stretch>
+            <a:fillRect/>
+          </a:stretch>
+        </p:blipFill>
+        <p:spPr>
+          <a:xfrm>
+            <a:off x="8212620" y="403684"/>
+            <a:ext cx="3508232" cy="2631174"/>
+          </a:xfrm>
+          <a:prstGeom prst="rect">
+            <a:avLst/>
+          </a:prstGeom>
+        </p:spPr>
+      </p:pic>
+      <p:pic>
+        <p:nvPicPr>
+          <p:cNvPr id="15" name="Afbeelding 14">
+            <a:extLst>
+              <a:ext uri="{FF2B5EF4-FFF2-40B4-BE49-F238E27FC236}">
+                <a16:creationId xmlns:a16="http://schemas.microsoft.com/office/drawing/2014/main" id="{C09DF2AC-7F90-4B39-A54C-D5B15FC27675}"/>
+              </a:ext>
+            </a:extLst>
+          </p:cNvPr>
+          <p:cNvPicPr>
+            <a:picLocks noChangeAspect="1"/>
+          </p:cNvPicPr>
+          <p:nvPr/>
+        </p:nvPicPr>
+        <p:blipFill>
+          <a:blip r:embed="rId7">
+            <a:extLst>
+              <a:ext uri="{28A0092B-C50C-407E-A947-70E740481C1C}">
+                <a14:useLocalDpi xmlns:a14="http://schemas.microsoft.com/office/drawing/2010/main" val="0"/>
+              </a:ext>
+            </a:extLst>
+          </a:blip>
+          <a:stretch>
+            <a:fillRect/>
+          </a:stretch>
+        </p:blipFill>
+        <p:spPr>
+          <a:xfrm>
+            <a:off x="4699688" y="401518"/>
+            <a:ext cx="3512095" cy="2631174"/>
           </a:xfrm>
           <a:prstGeom prst="rect">
             <a:avLst/>
@@ -17056,10 +17114,499 @@
   <p:clrMapOvr>
     <a:masterClrMapping/>
   </p:clrMapOvr>
+  <p:timing>
+    <p:tnLst>
+      <p:par>
+        <p:cTn id="1" dur="indefinite" restart="never" nodeType="tmRoot">
+          <p:childTnLst>
+            <p:seq concurrent="1" nextAc="seek">
+              <p:cTn id="2" dur="indefinite" nodeType="mainSeq">
+                <p:childTnLst>
+                  <p:par>
+                    <p:cTn id="3" fill="hold">
+                      <p:stCondLst>
+                        <p:cond delay="indefinite"/>
+                        <p:cond evt="onBegin" delay="0">
+                          <p:tn val="2"/>
+                        </p:cond>
+                      </p:stCondLst>
+                      <p:childTnLst>
+                        <p:par>
+                          <p:cTn id="4" fill="hold">
+                            <p:stCondLst>
+                              <p:cond delay="0"/>
+                            </p:stCondLst>
+                            <p:childTnLst>
+                              <p:par>
+                                <p:cTn id="5" presetID="2" presetClass="entr" presetSubtype="9" fill="hold" nodeType="withEffect">
+                                  <p:stCondLst>
+                                    <p:cond delay="0"/>
+                                  </p:stCondLst>
+                                  <p:childTnLst>
+                                    <p:set>
+                                      <p:cBhvr>
+                                        <p:cTn id="6" dur="1" fill="hold">
+                                          <p:stCondLst>
+                                            <p:cond delay="0"/>
+                                          </p:stCondLst>
+                                        </p:cTn>
+                                        <p:tgtEl>
+                                          <p:spTgt spid="15"/>
+                                        </p:tgtEl>
+                                        <p:attrNameLst>
+                                          <p:attrName>style.visibility</p:attrName>
+                                        </p:attrNameLst>
+                                      </p:cBhvr>
+                                      <p:to>
+                                        <p:strVal val="visible"/>
+                                      </p:to>
+                                    </p:set>
+                                    <p:anim calcmode="lin" valueType="num">
+                                      <p:cBhvr additive="base">
+                                        <p:cTn id="7" dur="500" fill="hold"/>
+                                        <p:tgtEl>
+                                          <p:spTgt spid="15"/>
+                                        </p:tgtEl>
+                                        <p:attrNameLst>
+                                          <p:attrName>ppt_x</p:attrName>
+                                        </p:attrNameLst>
+                                      </p:cBhvr>
+                                      <p:tavLst>
+                                        <p:tav tm="0">
+                                          <p:val>
+                                            <p:strVal val="0-#ppt_w/2"/>
+                                          </p:val>
+                                        </p:tav>
+                                        <p:tav tm="100000">
+                                          <p:val>
+                                            <p:strVal val="#ppt_x"/>
+                                          </p:val>
+                                        </p:tav>
+                                      </p:tavLst>
+                                    </p:anim>
+                                    <p:anim calcmode="lin" valueType="num">
+                                      <p:cBhvr additive="base">
+                                        <p:cTn id="8" dur="500" fill="hold"/>
+                                        <p:tgtEl>
+                                          <p:spTgt spid="15"/>
+                                        </p:tgtEl>
+                                        <p:attrNameLst>
+                                          <p:attrName>ppt_y</p:attrName>
+                                        </p:attrNameLst>
+                                      </p:cBhvr>
+                                      <p:tavLst>
+                                        <p:tav tm="0">
+                                          <p:val>
+                                            <p:strVal val="0-#ppt_h/2"/>
+                                          </p:val>
+                                        </p:tav>
+                                        <p:tav tm="100000">
+                                          <p:val>
+                                            <p:strVal val="#ppt_y"/>
+                                          </p:val>
+                                        </p:tav>
+                                      </p:tavLst>
+                                    </p:anim>
+                                  </p:childTnLst>
+                                </p:cTn>
+                              </p:par>
+                              <p:par>
+                                <p:cTn id="9" presetID="2" presetClass="entr" presetSubtype="3" fill="hold" nodeType="withEffect">
+                                  <p:stCondLst>
+                                    <p:cond delay="0"/>
+                                  </p:stCondLst>
+                                  <p:childTnLst>
+                                    <p:set>
+                                      <p:cBhvr>
+                                        <p:cTn id="10" dur="1" fill="hold">
+                                          <p:stCondLst>
+                                            <p:cond delay="0"/>
+                                          </p:stCondLst>
+                                        </p:cTn>
+                                        <p:tgtEl>
+                                          <p:spTgt spid="7"/>
+                                        </p:tgtEl>
+                                        <p:attrNameLst>
+                                          <p:attrName>style.visibility</p:attrName>
+                                        </p:attrNameLst>
+                                      </p:cBhvr>
+                                      <p:to>
+                                        <p:strVal val="visible"/>
+                                      </p:to>
+                                    </p:set>
+                                    <p:anim calcmode="lin" valueType="num">
+                                      <p:cBhvr additive="base">
+                                        <p:cTn id="11" dur="500" fill="hold"/>
+                                        <p:tgtEl>
+                                          <p:spTgt spid="7"/>
+                                        </p:tgtEl>
+                                        <p:attrNameLst>
+                                          <p:attrName>ppt_x</p:attrName>
+                                        </p:attrNameLst>
+                                      </p:cBhvr>
+                                      <p:tavLst>
+                                        <p:tav tm="0">
+                                          <p:val>
+                                            <p:strVal val="1+#ppt_w/2"/>
+                                          </p:val>
+                                        </p:tav>
+                                        <p:tav tm="100000">
+                                          <p:val>
+                                            <p:strVal val="#ppt_x"/>
+                                          </p:val>
+                                        </p:tav>
+                                      </p:tavLst>
+                                    </p:anim>
+                                    <p:anim calcmode="lin" valueType="num">
+                                      <p:cBhvr additive="base">
+                                        <p:cTn id="12" dur="500" fill="hold"/>
+                                        <p:tgtEl>
+                                          <p:spTgt spid="7"/>
+                                        </p:tgtEl>
+                                        <p:attrNameLst>
+                                          <p:attrName>ppt_y</p:attrName>
+                                        </p:attrNameLst>
+                                      </p:cBhvr>
+                                      <p:tavLst>
+                                        <p:tav tm="0">
+                                          <p:val>
+                                            <p:strVal val="0-#ppt_h/2"/>
+                                          </p:val>
+                                        </p:tav>
+                                        <p:tav tm="100000">
+                                          <p:val>
+                                            <p:strVal val="#ppt_y"/>
+                                          </p:val>
+                                        </p:tav>
+                                      </p:tavLst>
+                                    </p:anim>
+                                  </p:childTnLst>
+                                </p:cTn>
+                              </p:par>
+                              <p:par>
+                                <p:cTn id="13" presetID="2" presetClass="entr" presetSubtype="6" fill="hold" nodeType="withEffect">
+                                  <p:stCondLst>
+                                    <p:cond delay="0"/>
+                                  </p:stCondLst>
+                                  <p:childTnLst>
+                                    <p:set>
+                                      <p:cBhvr>
+                                        <p:cTn id="14" dur="1" fill="hold">
+                                          <p:stCondLst>
+                                            <p:cond delay="0"/>
+                                          </p:stCondLst>
+                                        </p:cTn>
+                                        <p:tgtEl>
+                                          <p:spTgt spid="8"/>
+                                        </p:tgtEl>
+                                        <p:attrNameLst>
+                                          <p:attrName>style.visibility</p:attrName>
+                                        </p:attrNameLst>
+                                      </p:cBhvr>
+                                      <p:to>
+                                        <p:strVal val="visible"/>
+                                      </p:to>
+                                    </p:set>
+                                    <p:anim calcmode="lin" valueType="num">
+                                      <p:cBhvr additive="base">
+                                        <p:cTn id="15" dur="500" fill="hold"/>
+                                        <p:tgtEl>
+                                          <p:spTgt spid="8"/>
+                                        </p:tgtEl>
+                                        <p:attrNameLst>
+                                          <p:attrName>ppt_x</p:attrName>
+                                        </p:attrNameLst>
+                                      </p:cBhvr>
+                                      <p:tavLst>
+                                        <p:tav tm="0">
+                                          <p:val>
+                                            <p:strVal val="1+#ppt_w/2"/>
+                                          </p:val>
+                                        </p:tav>
+                                        <p:tav tm="100000">
+                                          <p:val>
+                                            <p:strVal val="#ppt_x"/>
+                                          </p:val>
+                                        </p:tav>
+                                      </p:tavLst>
+                                    </p:anim>
+                                    <p:anim calcmode="lin" valueType="num">
+                                      <p:cBhvr additive="base">
+                                        <p:cTn id="16" dur="500" fill="hold"/>
+                                        <p:tgtEl>
+                                          <p:spTgt spid="8"/>
+                                        </p:tgtEl>
+                                        <p:attrNameLst>
+                                          <p:attrName>ppt_y</p:attrName>
+                                        </p:attrNameLst>
+                                      </p:cBhvr>
+                                      <p:tavLst>
+                                        <p:tav tm="0">
+                                          <p:val>
+                                            <p:strVal val="1+#ppt_h/2"/>
+                                          </p:val>
+                                        </p:tav>
+                                        <p:tav tm="100000">
+                                          <p:val>
+                                            <p:strVal val="#ppt_y"/>
+                                          </p:val>
+                                        </p:tav>
+                                      </p:tavLst>
+                                    </p:anim>
+                                  </p:childTnLst>
+                                </p:cTn>
+                              </p:par>
+                              <p:par>
+                                <p:cTn id="17" presetID="2" presetClass="entr" presetSubtype="8" fill="hold" nodeType="withEffect">
+                                  <p:stCondLst>
+                                    <p:cond delay="0"/>
+                                  </p:stCondLst>
+                                  <p:childTnLst>
+                                    <p:set>
+                                      <p:cBhvr>
+                                        <p:cTn id="18" dur="1" fill="hold">
+                                          <p:stCondLst>
+                                            <p:cond delay="0"/>
+                                          </p:stCondLst>
+                                        </p:cTn>
+                                        <p:tgtEl>
+                                          <p:spTgt spid="9"/>
+                                        </p:tgtEl>
+                                        <p:attrNameLst>
+                                          <p:attrName>style.visibility</p:attrName>
+                                        </p:attrNameLst>
+                                      </p:cBhvr>
+                                      <p:to>
+                                        <p:strVal val="visible"/>
+                                      </p:to>
+                                    </p:set>
+                                    <p:anim calcmode="lin" valueType="num">
+                                      <p:cBhvr additive="base">
+                                        <p:cTn id="19" dur="500" fill="hold"/>
+                                        <p:tgtEl>
+                                          <p:spTgt spid="9"/>
+                                        </p:tgtEl>
+                                        <p:attrNameLst>
+                                          <p:attrName>ppt_x</p:attrName>
+                                        </p:attrNameLst>
+                                      </p:cBhvr>
+                                      <p:tavLst>
+                                        <p:tav tm="0">
+                                          <p:val>
+                                            <p:strVal val="0-#ppt_w/2"/>
+                                          </p:val>
+                                        </p:tav>
+                                        <p:tav tm="100000">
+                                          <p:val>
+                                            <p:strVal val="#ppt_x"/>
+                                          </p:val>
+                                        </p:tav>
+                                      </p:tavLst>
+                                    </p:anim>
+                                    <p:anim calcmode="lin" valueType="num">
+                                      <p:cBhvr additive="base">
+                                        <p:cTn id="20" dur="500" fill="hold"/>
+                                        <p:tgtEl>
+                                          <p:spTgt spid="9"/>
+                                        </p:tgtEl>
+                                        <p:attrNameLst>
+                                          <p:attrName>ppt_y</p:attrName>
+                                        </p:attrNameLst>
+                                      </p:cBhvr>
+                                      <p:tavLst>
+                                        <p:tav tm="0">
+                                          <p:val>
+                                            <p:strVal val="#ppt_y"/>
+                                          </p:val>
+                                        </p:tav>
+                                        <p:tav tm="100000">
+                                          <p:val>
+                                            <p:strVal val="#ppt_y"/>
+                                          </p:val>
+                                        </p:tav>
+                                      </p:tavLst>
+                                    </p:anim>
+                                  </p:childTnLst>
+                                </p:cTn>
+                              </p:par>
+                              <p:par>
+                                <p:cTn id="21" presetID="2" presetClass="entr" presetSubtype="12" fill="hold" nodeType="withEffect">
+                                  <p:stCondLst>
+                                    <p:cond delay="0"/>
+                                  </p:stCondLst>
+                                  <p:childTnLst>
+                                    <p:set>
+                                      <p:cBhvr>
+                                        <p:cTn id="22" dur="1" fill="hold">
+                                          <p:stCondLst>
+                                            <p:cond delay="0"/>
+                                          </p:stCondLst>
+                                        </p:cTn>
+                                        <p:tgtEl>
+                                          <p:spTgt spid="13"/>
+                                        </p:tgtEl>
+                                        <p:attrNameLst>
+                                          <p:attrName>style.visibility</p:attrName>
+                                        </p:attrNameLst>
+                                      </p:cBhvr>
+                                      <p:to>
+                                        <p:strVal val="visible"/>
+                                      </p:to>
+                                    </p:set>
+                                    <p:anim calcmode="lin" valueType="num">
+                                      <p:cBhvr additive="base">
+                                        <p:cTn id="23" dur="500" fill="hold"/>
+                                        <p:tgtEl>
+                                          <p:spTgt spid="13"/>
+                                        </p:tgtEl>
+                                        <p:attrNameLst>
+                                          <p:attrName>ppt_x</p:attrName>
+                                        </p:attrNameLst>
+                                      </p:cBhvr>
+                                      <p:tavLst>
+                                        <p:tav tm="0">
+                                          <p:val>
+                                            <p:strVal val="0-#ppt_w/2"/>
+                                          </p:val>
+                                        </p:tav>
+                                        <p:tav tm="100000">
+                                          <p:val>
+                                            <p:strVal val="#ppt_x"/>
+                                          </p:val>
+                                        </p:tav>
+                                      </p:tavLst>
+                                    </p:anim>
+                                    <p:anim calcmode="lin" valueType="num">
+                                      <p:cBhvr additive="base">
+                                        <p:cTn id="24" dur="500" fill="hold"/>
+                                        <p:tgtEl>
+                                          <p:spTgt spid="13"/>
+                                        </p:tgtEl>
+                                        <p:attrNameLst>
+                                          <p:attrName>ppt_y</p:attrName>
+                                        </p:attrNameLst>
+                                      </p:cBhvr>
+                                      <p:tavLst>
+                                        <p:tav tm="0">
+                                          <p:val>
+                                            <p:strVal val="1+#ppt_h/2"/>
+                                          </p:val>
+                                        </p:tav>
+                                        <p:tav tm="100000">
+                                          <p:val>
+                                            <p:strVal val="#ppt_y"/>
+                                          </p:val>
+                                        </p:tav>
+                                      </p:tavLst>
+                                    </p:anim>
+                                  </p:childTnLst>
+                                </p:cTn>
+                              </p:par>
+                              <p:par>
+                                <p:cTn id="25" presetID="2" presetClass="entr" presetSubtype="4" fill="hold" nodeType="withEffect">
+                                  <p:stCondLst>
+                                    <p:cond delay="0"/>
+                                  </p:stCondLst>
+                                  <p:childTnLst>
+                                    <p:set>
+                                      <p:cBhvr>
+                                        <p:cTn id="26" dur="1" fill="hold">
+                                          <p:stCondLst>
+                                            <p:cond delay="0"/>
+                                          </p:stCondLst>
+                                        </p:cTn>
+                                        <p:tgtEl>
+                                          <p:spTgt spid="5"/>
+                                        </p:tgtEl>
+                                        <p:attrNameLst>
+                                          <p:attrName>style.visibility</p:attrName>
+                                        </p:attrNameLst>
+                                      </p:cBhvr>
+                                      <p:to>
+                                        <p:strVal val="visible"/>
+                                      </p:to>
+                                    </p:set>
+                                    <p:anim calcmode="lin" valueType="num">
+                                      <p:cBhvr additive="base">
+                                        <p:cTn id="27" dur="500" fill="hold"/>
+                                        <p:tgtEl>
+                                          <p:spTgt spid="5"/>
+                                        </p:tgtEl>
+                                        <p:attrNameLst>
+                                          <p:attrName>ppt_x</p:attrName>
+                                        </p:attrNameLst>
+                                      </p:cBhvr>
+                                      <p:tavLst>
+                                        <p:tav tm="0">
+                                          <p:val>
+                                            <p:strVal val="#ppt_x"/>
+                                          </p:val>
+                                        </p:tav>
+                                        <p:tav tm="100000">
+                                          <p:val>
+                                            <p:strVal val="#ppt_x"/>
+                                          </p:val>
+                                        </p:tav>
+                                      </p:tavLst>
+                                    </p:anim>
+                                    <p:anim calcmode="lin" valueType="num">
+                                      <p:cBhvr additive="base">
+                                        <p:cTn id="28" dur="500" fill="hold"/>
+                                        <p:tgtEl>
+                                          <p:spTgt spid="5"/>
+                                        </p:tgtEl>
+                                        <p:attrNameLst>
+                                          <p:attrName>ppt_y</p:attrName>
+                                        </p:attrNameLst>
+                                      </p:cBhvr>
+                                      <p:tavLst>
+                                        <p:tav tm="0">
+                                          <p:val>
+                                            <p:strVal val="1+#ppt_h/2"/>
+                                          </p:val>
+                                        </p:tav>
+                                        <p:tav tm="100000">
+                                          <p:val>
+                                            <p:strVal val="#ppt_y"/>
+                                          </p:val>
+                                        </p:tav>
+                                      </p:tavLst>
+                                    </p:anim>
+                                  </p:childTnLst>
+                                </p:cTn>
+                              </p:par>
+                            </p:childTnLst>
+                          </p:cTn>
+                        </p:par>
+                      </p:childTnLst>
+                    </p:cTn>
+                  </p:par>
+                </p:childTnLst>
+              </p:cTn>
+              <p:prevCondLst>
+                <p:cond evt="onPrev" delay="0">
+                  <p:tgtEl>
+                    <p:sldTgt/>
+                  </p:tgtEl>
+                </p:cond>
+              </p:prevCondLst>
+              <p:nextCondLst>
+                <p:cond evt="onNext" delay="0">
+                  <p:tgtEl>
+                    <p:sldTgt/>
+                  </p:tgtEl>
+                </p:cond>
+              </p:nextCondLst>
+            </p:seq>
+          </p:childTnLst>
+        </p:cTn>
+      </p:par>
+    </p:tnLst>
+  </p:timing>
 </p:sld>
 </file>
 
-<file path=ppt/slides/slide5.xml><?xml version="1.0" encoding="utf-8"?>
+<file path=ppt/slides/slide4.xml><?xml version="1.0" encoding="utf-8"?>
 <p:sld xmlns:a="http://schemas.openxmlformats.org/drawingml/2006/main" xmlns:r="http://schemas.openxmlformats.org/officeDocument/2006/relationships" xmlns:p="http://schemas.openxmlformats.org/presentationml/2006/main">
   <p:cSld>
     <p:spTree>
@@ -17223,6 +17770,3564 @@
   <p:clrMapOvr>
     <a:masterClrMapping/>
   </p:clrMapOvr>
+</p:sld>
+</file>
+
+<file path=ppt/slides/slide5.xml><?xml version="1.0" encoding="utf-8"?>
+<p:sld xmlns:a="http://schemas.openxmlformats.org/drawingml/2006/main" xmlns:r="http://schemas.openxmlformats.org/officeDocument/2006/relationships" xmlns:p="http://schemas.openxmlformats.org/presentationml/2006/main">
+  <p:cSld>
+    <p:bg>
+      <p:bgPr>
+        <a:solidFill>
+          <a:schemeClr val="bg1"/>
+        </a:solidFill>
+        <a:effectLst/>
+      </p:bgPr>
+    </p:bg>
+    <p:spTree>
+      <p:nvGrpSpPr>
+        <p:cNvPr id="1" name=""/>
+        <p:cNvGrpSpPr/>
+        <p:nvPr/>
+      </p:nvGrpSpPr>
+      <p:grpSpPr>
+        <a:xfrm>
+          <a:off x="0" y="0"/>
+          <a:ext cx="0" cy="0"/>
+          <a:chOff x="0" y="0"/>
+          <a:chExt cx="0" cy="0"/>
+        </a:xfrm>
+      </p:grpSpPr>
+      <p:grpSp>
+        <p:nvGrpSpPr>
+          <p:cNvPr id="10" name="Group 9">
+            <a:extLst>
+              <a:ext uri="{FF2B5EF4-FFF2-40B4-BE49-F238E27FC236}">
+                <a16:creationId xmlns:a16="http://schemas.microsoft.com/office/drawing/2014/main" id="{2DAE3342-9DFC-49D4-B09C-25E310769317}"/>
+              </a:ext>
+              <a:ext uri="{C183D7F6-B498-43B3-948B-1728B52AA6E4}">
+                <adec:decorative xmlns:adec="http://schemas.microsoft.com/office/drawing/2017/decorative" val="1"/>
+              </a:ext>
+            </a:extLst>
+          </p:cNvPr>
+          <p:cNvGrpSpPr>
+            <a:grpSpLocks noGrp="1" noUngrp="1" noRot="1" noChangeAspect="1" noMove="1" noResize="1"/>
+          </p:cNvGrpSpPr>
+          <p:nvPr>
+            <p:extLst>
+              <p:ext uri="{386F3935-93C4-4BCD-93E2-E3B085C9AB24}">
+                <p16:designElem xmlns:p16="http://schemas.microsoft.com/office/powerpoint/2015/main" val="1"/>
+              </p:ext>
+            </p:extLst>
+          </p:nvPr>
+        </p:nvGrpSpPr>
+        <p:grpSpPr>
+          <a:xfrm>
+            <a:off x="-329674" y="-59376"/>
+            <a:ext cx="12515851" cy="6923798"/>
+            <a:chOff x="-329674" y="-51881"/>
+            <a:chExt cx="12515851" cy="6923798"/>
+          </a:xfrm>
+        </p:grpSpPr>
+        <p:sp>
+          <p:nvSpPr>
+            <p:cNvPr id="11" name="Freeform 5">
+              <a:extLst>
+                <a:ext uri="{FF2B5EF4-FFF2-40B4-BE49-F238E27FC236}">
+                  <a16:creationId xmlns:a16="http://schemas.microsoft.com/office/drawing/2014/main" id="{E49E0D20-8423-4612-99A5-14AEF8F6BB6D}"/>
+                </a:ext>
+                <a:ext uri="{C183D7F6-B498-43B3-948B-1728B52AA6E4}">
+                  <adec:decorative xmlns:adec="http://schemas.microsoft.com/office/drawing/2017/decorative" val="1"/>
+                </a:ext>
+              </a:extLst>
+            </p:cNvPr>
+            <p:cNvSpPr/>
+            <p:nvPr>
+              <p:extLst>
+                <p:ext uri="{386F3935-93C4-4BCD-93E2-E3B085C9AB24}">
+                  <p16:designElem xmlns:p16="http://schemas.microsoft.com/office/powerpoint/2015/main" val="1"/>
+                </p:ext>
+              </p:extLst>
+            </p:nvPr>
+          </p:nvSpPr>
+          <p:spPr bwMode="auto">
+            <a:xfrm>
+              <a:off x="-329674" y="1298404"/>
+              <a:ext cx="9702800" cy="5573512"/>
+            </a:xfrm>
+            <a:custGeom>
+              <a:avLst/>
+              <a:gdLst/>
+              <a:ahLst/>
+              <a:cxnLst/>
+              <a:rect l="0" t="0" r="r" b="b"/>
+              <a:pathLst>
+                <a:path w="2038" h="1169">
+                  <a:moveTo>
+                    <a:pt x="1752" y="1169"/>
+                  </a:moveTo>
+                  <a:cubicBezTo>
+                    <a:pt x="2038" y="928"/>
+                    <a:pt x="1673" y="513"/>
+                    <a:pt x="1487" y="334"/>
+                  </a:cubicBezTo>
+                  <a:cubicBezTo>
+                    <a:pt x="1316" y="170"/>
+                    <a:pt x="1099" y="43"/>
+                    <a:pt x="860" y="22"/>
+                  </a:cubicBezTo>
+                  <a:cubicBezTo>
+                    <a:pt x="621" y="0"/>
+                    <a:pt x="341" y="128"/>
+                    <a:pt x="199" y="318"/>
+                  </a:cubicBezTo>
+                  <a:cubicBezTo>
+                    <a:pt x="0" y="586"/>
+                    <a:pt x="184" y="965"/>
+                    <a:pt x="399" y="1165"/>
+                  </a:cubicBezTo>
+                </a:path>
+              </a:pathLst>
+            </a:custGeom>
+            <a:noFill/>
+            <a:ln w="9525" cap="flat">
+              <a:solidFill>
+                <a:schemeClr val="tx1">
+                  <a:alpha val="20000"/>
+                </a:schemeClr>
+              </a:solidFill>
+              <a:prstDash val="solid"/>
+              <a:miter lim="800000"/>
+              <a:headEnd/>
+              <a:tailEnd/>
+            </a:ln>
+            <a:extLst>
+              <a:ext uri="{909E8E84-426E-40DD-AFC4-6F175D3DCCD1}">
+                <a14:hiddenFill xmlns:a14="http://schemas.microsoft.com/office/drawing/2010/main">
+                  <a:solidFill>
+                    <a:srgbClr val="FFFFFF"/>
+                  </a:solidFill>
+                </a14:hiddenFill>
+              </a:ext>
+            </a:extLst>
+          </p:spPr>
+        </p:sp>
+        <p:sp>
+          <p:nvSpPr>
+            <p:cNvPr id="12" name="Freeform 6">
+              <a:extLst>
+                <a:ext uri="{FF2B5EF4-FFF2-40B4-BE49-F238E27FC236}">
+                  <a16:creationId xmlns:a16="http://schemas.microsoft.com/office/drawing/2014/main" id="{57C2C108-5A30-48CA-9203-56747AEB7B5F}"/>
+                </a:ext>
+                <a:ext uri="{C183D7F6-B498-43B3-948B-1728B52AA6E4}">
+                  <adec:decorative xmlns:adec="http://schemas.microsoft.com/office/drawing/2017/decorative" val="1"/>
+                </a:ext>
+              </a:extLst>
+            </p:cNvPr>
+            <p:cNvSpPr/>
+            <p:nvPr>
+              <p:extLst>
+                <p:ext uri="{386F3935-93C4-4BCD-93E2-E3B085C9AB24}">
+                  <p16:designElem xmlns:p16="http://schemas.microsoft.com/office/powerpoint/2015/main" val="1"/>
+                </p:ext>
+              </p:extLst>
+            </p:nvPr>
+          </p:nvSpPr>
+          <p:spPr bwMode="auto">
+            <a:xfrm>
+              <a:off x="670451" y="2018236"/>
+              <a:ext cx="7373938" cy="4848892"/>
+            </a:xfrm>
+            <a:custGeom>
+              <a:avLst/>
+              <a:gdLst/>
+              <a:ahLst/>
+              <a:cxnLst/>
+              <a:rect l="0" t="0" r="r" b="b"/>
+              <a:pathLst>
+                <a:path w="1549" h="1017">
+                  <a:moveTo>
+                    <a:pt x="1025" y="1016"/>
+                  </a:moveTo>
+                  <a:cubicBezTo>
+                    <a:pt x="1223" y="971"/>
+                    <a:pt x="1549" y="857"/>
+                    <a:pt x="1443" y="592"/>
+                  </a:cubicBezTo>
+                  <a:cubicBezTo>
+                    <a:pt x="1344" y="344"/>
+                    <a:pt x="1041" y="111"/>
+                    <a:pt x="782" y="53"/>
+                  </a:cubicBezTo>
+                  <a:cubicBezTo>
+                    <a:pt x="545" y="0"/>
+                    <a:pt x="275" y="117"/>
+                    <a:pt x="150" y="329"/>
+                  </a:cubicBezTo>
+                  <a:cubicBezTo>
+                    <a:pt x="0" y="584"/>
+                    <a:pt x="243" y="911"/>
+                    <a:pt x="477" y="1017"/>
+                  </a:cubicBezTo>
+                </a:path>
+              </a:pathLst>
+            </a:custGeom>
+            <a:noFill/>
+            <a:ln w="9525" cap="flat">
+              <a:solidFill>
+                <a:schemeClr val="tx1">
+                  <a:alpha val="20000"/>
+                </a:schemeClr>
+              </a:solidFill>
+              <a:prstDash val="solid"/>
+              <a:miter lim="800000"/>
+              <a:headEnd/>
+              <a:tailEnd/>
+            </a:ln>
+            <a:extLst>
+              <a:ext uri="{909E8E84-426E-40DD-AFC4-6F175D3DCCD1}">
+                <a14:hiddenFill xmlns:a14="http://schemas.microsoft.com/office/drawing/2010/main">
+                  <a:solidFill>
+                    <a:srgbClr val="FFFFFF"/>
+                  </a:solidFill>
+                </a14:hiddenFill>
+              </a:ext>
+            </a:extLst>
+          </p:spPr>
+        </p:sp>
+        <p:sp>
+          <p:nvSpPr>
+            <p:cNvPr id="13" name="Freeform 7">
+              <a:extLst>
+                <a:ext uri="{FF2B5EF4-FFF2-40B4-BE49-F238E27FC236}">
+                  <a16:creationId xmlns:a16="http://schemas.microsoft.com/office/drawing/2014/main" id="{1A343912-2EFC-408E-A862-5C9BF108DC2A}"/>
+                </a:ext>
+                <a:ext uri="{C183D7F6-B498-43B3-948B-1728B52AA6E4}">
+                  <adec:decorative xmlns:adec="http://schemas.microsoft.com/office/drawing/2017/decorative" val="1"/>
+                </a:ext>
+              </a:extLst>
+            </p:cNvPr>
+            <p:cNvSpPr/>
+            <p:nvPr>
+              <p:extLst>
+                <p:ext uri="{386F3935-93C4-4BCD-93E2-E3B085C9AB24}">
+                  <p16:designElem xmlns:p16="http://schemas.microsoft.com/office/powerpoint/2015/main" val="1"/>
+                </p:ext>
+              </p:extLst>
+            </p:nvPr>
+          </p:nvSpPr>
+          <p:spPr bwMode="auto">
+            <a:xfrm>
+              <a:off x="251351" y="1788400"/>
+              <a:ext cx="8035925" cy="5083516"/>
+            </a:xfrm>
+            <a:custGeom>
+              <a:avLst/>
+              <a:gdLst/>
+              <a:ahLst/>
+              <a:cxnLst/>
+              <a:rect l="0" t="0" r="r" b="b"/>
+              <a:pathLst>
+                <a:path w="1688" h="1066">
+                  <a:moveTo>
+                    <a:pt x="1302" y="1066"/>
+                  </a:moveTo>
+                  <a:cubicBezTo>
+                    <a:pt x="1416" y="1024"/>
+                    <a:pt x="1551" y="962"/>
+                    <a:pt x="1613" y="850"/>
+                  </a:cubicBezTo>
+                  <a:cubicBezTo>
+                    <a:pt x="1688" y="715"/>
+                    <a:pt x="1606" y="575"/>
+                    <a:pt x="1517" y="471"/>
+                  </a:cubicBezTo>
+                  <a:cubicBezTo>
+                    <a:pt x="1336" y="258"/>
+                    <a:pt x="1084" y="62"/>
+                    <a:pt x="798" y="28"/>
+                  </a:cubicBezTo>
+                  <a:cubicBezTo>
+                    <a:pt x="559" y="0"/>
+                    <a:pt x="317" y="138"/>
+                    <a:pt x="181" y="333"/>
+                  </a:cubicBezTo>
+                  <a:cubicBezTo>
+                    <a:pt x="0" y="592"/>
+                    <a:pt x="191" y="907"/>
+                    <a:pt x="420" y="1066"/>
+                  </a:cubicBezTo>
+                </a:path>
+              </a:pathLst>
+            </a:custGeom>
+            <a:noFill/>
+            <a:ln w="9525" cap="flat">
+              <a:solidFill>
+                <a:schemeClr val="tx1">
+                  <a:alpha val="20000"/>
+                </a:schemeClr>
+              </a:solidFill>
+              <a:prstDash val="dash"/>
+              <a:miter lim="800000"/>
+              <a:headEnd/>
+              <a:tailEnd/>
+            </a:ln>
+            <a:extLst>
+              <a:ext uri="{909E8E84-426E-40DD-AFC4-6F175D3DCCD1}">
+                <a14:hiddenFill xmlns:a14="http://schemas.microsoft.com/office/drawing/2010/main">
+                  <a:solidFill>
+                    <a:srgbClr val="FFFFFF"/>
+                  </a:solidFill>
+                </a14:hiddenFill>
+              </a:ext>
+            </a:extLst>
+          </p:spPr>
+        </p:sp>
+        <p:sp>
+          <p:nvSpPr>
+            <p:cNvPr id="14" name="Freeform 8">
+              <a:extLst>
+                <a:ext uri="{FF2B5EF4-FFF2-40B4-BE49-F238E27FC236}">
+                  <a16:creationId xmlns:a16="http://schemas.microsoft.com/office/drawing/2014/main" id="{AA50D1CF-9DAE-4CF6-B829-E66CEE9D5784}"/>
+                </a:ext>
+                <a:ext uri="{C183D7F6-B498-43B3-948B-1728B52AA6E4}">
+                  <adec:decorative xmlns:adec="http://schemas.microsoft.com/office/drawing/2017/decorative" val="1"/>
+                </a:ext>
+              </a:extLst>
+            </p:cNvPr>
+            <p:cNvSpPr/>
+            <p:nvPr>
+              <p:extLst>
+                <p:ext uri="{386F3935-93C4-4BCD-93E2-E3B085C9AB24}">
+                  <p16:designElem xmlns:p16="http://schemas.microsoft.com/office/powerpoint/2015/main" val="1"/>
+                </p:ext>
+              </p:extLst>
+            </p:nvPr>
+          </p:nvSpPr>
+          <p:spPr bwMode="auto">
+            <a:xfrm>
+              <a:off x="-1061" y="549842"/>
+              <a:ext cx="10334625" cy="6322075"/>
+            </a:xfrm>
+            <a:custGeom>
+              <a:avLst/>
+              <a:gdLst/>
+              <a:ahLst/>
+              <a:cxnLst/>
+              <a:rect l="0" t="0" r="r" b="b"/>
+              <a:pathLst>
+                <a:path w="2171" h="1326">
+                  <a:moveTo>
+                    <a:pt x="1873" y="1326"/>
+                  </a:moveTo>
+                  <a:cubicBezTo>
+                    <a:pt x="2171" y="1045"/>
+                    <a:pt x="1825" y="678"/>
+                    <a:pt x="1609" y="473"/>
+                  </a:cubicBezTo>
+                  <a:cubicBezTo>
+                    <a:pt x="1406" y="281"/>
+                    <a:pt x="1159" y="116"/>
+                    <a:pt x="880" y="63"/>
+                  </a:cubicBezTo>
+                  <a:cubicBezTo>
+                    <a:pt x="545" y="0"/>
+                    <a:pt x="214" y="161"/>
+                    <a:pt x="0" y="423"/>
+                  </a:cubicBezTo>
+                </a:path>
+              </a:pathLst>
+            </a:custGeom>
+            <a:noFill/>
+            <a:ln w="9525" cap="flat">
+              <a:solidFill>
+                <a:schemeClr val="tx1">
+                  <a:alpha val="20000"/>
+                </a:schemeClr>
+              </a:solidFill>
+              <a:prstDash val="solid"/>
+              <a:miter lim="800000"/>
+              <a:headEnd/>
+              <a:tailEnd/>
+            </a:ln>
+            <a:extLst>
+              <a:ext uri="{909E8E84-426E-40DD-AFC4-6F175D3DCCD1}">
+                <a14:hiddenFill xmlns:a14="http://schemas.microsoft.com/office/drawing/2010/main">
+                  <a:solidFill>
+                    <a:srgbClr val="FFFFFF"/>
+                  </a:solidFill>
+                </a14:hiddenFill>
+              </a:ext>
+            </a:extLst>
+          </p:spPr>
+        </p:sp>
+        <p:sp>
+          <p:nvSpPr>
+            <p:cNvPr id="15" name="Freeform 9">
+              <a:extLst>
+                <a:ext uri="{FF2B5EF4-FFF2-40B4-BE49-F238E27FC236}">
+                  <a16:creationId xmlns:a16="http://schemas.microsoft.com/office/drawing/2014/main" id="{FE5799A4-0568-433E-BF41-752CF516AC77}"/>
+                </a:ext>
+                <a:ext uri="{C183D7F6-B498-43B3-948B-1728B52AA6E4}">
+                  <adec:decorative xmlns:adec="http://schemas.microsoft.com/office/drawing/2017/decorative" val="1"/>
+                </a:ext>
+              </a:extLst>
+            </p:cNvPr>
+            <p:cNvSpPr/>
+            <p:nvPr>
+              <p:extLst>
+                <p:ext uri="{386F3935-93C4-4BCD-93E2-E3B085C9AB24}">
+                  <p16:designElem xmlns:p16="http://schemas.microsoft.com/office/powerpoint/2015/main" val="1"/>
+                </p:ext>
+              </p:extLst>
+            </p:nvPr>
+          </p:nvSpPr>
+          <p:spPr bwMode="auto">
+            <a:xfrm>
+              <a:off x="3701" y="6186246"/>
+              <a:ext cx="504825" cy="681527"/>
+            </a:xfrm>
+            <a:custGeom>
+              <a:avLst/>
+              <a:gdLst/>
+              <a:ahLst/>
+              <a:cxnLst/>
+              <a:rect l="0" t="0" r="r" b="b"/>
+              <a:pathLst>
+                <a:path w="106" h="143">
+                  <a:moveTo>
+                    <a:pt x="0" y="0"/>
+                  </a:moveTo>
+                  <a:cubicBezTo>
+                    <a:pt x="35" y="54"/>
+                    <a:pt x="70" y="101"/>
+                    <a:pt x="106" y="143"/>
+                  </a:cubicBezTo>
+                </a:path>
+              </a:pathLst>
+            </a:custGeom>
+            <a:noFill/>
+            <a:ln w="4763" cap="flat">
+              <a:solidFill>
+                <a:schemeClr val="tx1">
+                  <a:alpha val="20000"/>
+                </a:schemeClr>
+              </a:solidFill>
+              <a:prstDash val="solid"/>
+              <a:miter lim="800000"/>
+              <a:headEnd/>
+              <a:tailEnd/>
+            </a:ln>
+            <a:extLst>
+              <a:ext uri="{909E8E84-426E-40DD-AFC4-6F175D3DCCD1}">
+                <a14:hiddenFill xmlns:a14="http://schemas.microsoft.com/office/drawing/2010/main">
+                  <a:solidFill>
+                    <a:srgbClr val="FFFFFF"/>
+                  </a:solidFill>
+                </a14:hiddenFill>
+              </a:ext>
+            </a:extLst>
+          </p:spPr>
+        </p:sp>
+        <p:sp>
+          <p:nvSpPr>
+            <p:cNvPr id="16" name="Freeform 10">
+              <a:extLst>
+                <a:ext uri="{FF2B5EF4-FFF2-40B4-BE49-F238E27FC236}">
+                  <a16:creationId xmlns:a16="http://schemas.microsoft.com/office/drawing/2014/main" id="{CDBB86ED-F16F-4C28-BDD5-72D771176F71}"/>
+                </a:ext>
+                <a:ext uri="{C183D7F6-B498-43B3-948B-1728B52AA6E4}">
+                  <adec:decorative xmlns:adec="http://schemas.microsoft.com/office/drawing/2017/decorative" val="1"/>
+                </a:ext>
+              </a:extLst>
+            </p:cNvPr>
+            <p:cNvSpPr/>
+            <p:nvPr>
+              <p:extLst>
+                <p:ext uri="{386F3935-93C4-4BCD-93E2-E3B085C9AB24}">
+                  <p16:designElem xmlns:p16="http://schemas.microsoft.com/office/powerpoint/2015/main" val="1"/>
+                </p:ext>
+              </p:extLst>
+            </p:nvPr>
+          </p:nvSpPr>
+          <p:spPr bwMode="auto">
+            <a:xfrm>
+              <a:off x="-1061" y="-51881"/>
+              <a:ext cx="11091863" cy="6923796"/>
+            </a:xfrm>
+            <a:custGeom>
+              <a:avLst/>
+              <a:gdLst/>
+              <a:ahLst/>
+              <a:cxnLst/>
+              <a:rect l="0" t="0" r="r" b="b"/>
+              <a:pathLst>
+                <a:path w="2330" h="1452">
+                  <a:moveTo>
+                    <a:pt x="2046" y="1452"/>
+                  </a:moveTo>
+                  <a:cubicBezTo>
+                    <a:pt x="2330" y="1153"/>
+                    <a:pt x="2049" y="821"/>
+                    <a:pt x="1813" y="601"/>
+                  </a:cubicBezTo>
+                  <a:cubicBezTo>
+                    <a:pt x="1569" y="375"/>
+                    <a:pt x="1282" y="179"/>
+                    <a:pt x="956" y="97"/>
+                  </a:cubicBezTo>
+                  <a:cubicBezTo>
+                    <a:pt x="572" y="0"/>
+                    <a:pt x="292" y="101"/>
+                    <a:pt x="0" y="366"/>
+                  </a:cubicBezTo>
+                </a:path>
+              </a:pathLst>
+            </a:custGeom>
+            <a:noFill/>
+            <a:ln w="9525" cap="flat">
+              <a:solidFill>
+                <a:schemeClr val="tx1">
+                  <a:alpha val="20000"/>
+                </a:schemeClr>
+              </a:solidFill>
+              <a:prstDash val="solid"/>
+              <a:miter lim="800000"/>
+              <a:headEnd/>
+              <a:tailEnd/>
+            </a:ln>
+            <a:extLst>
+              <a:ext uri="{909E8E84-426E-40DD-AFC4-6F175D3DCCD1}">
+                <a14:hiddenFill xmlns:a14="http://schemas.microsoft.com/office/drawing/2010/main">
+                  <a:solidFill>
+                    <a:srgbClr val="FFFFFF"/>
+                  </a:solidFill>
+                </a14:hiddenFill>
+              </a:ext>
+            </a:extLst>
+          </p:spPr>
+        </p:sp>
+        <p:sp>
+          <p:nvSpPr>
+            <p:cNvPr id="17" name="Freeform 11">
+              <a:extLst>
+                <a:ext uri="{FF2B5EF4-FFF2-40B4-BE49-F238E27FC236}">
+                  <a16:creationId xmlns:a16="http://schemas.microsoft.com/office/drawing/2014/main" id="{3347939E-8B76-4CFC-B2EC-63A7E2278388}"/>
+                </a:ext>
+                <a:ext uri="{C183D7F6-B498-43B3-948B-1728B52AA6E4}">
+                  <adec:decorative xmlns:adec="http://schemas.microsoft.com/office/drawing/2017/decorative" val="1"/>
+                </a:ext>
+              </a:extLst>
+            </p:cNvPr>
+            <p:cNvSpPr/>
+            <p:nvPr>
+              <p:extLst>
+                <p:ext uri="{386F3935-93C4-4BCD-93E2-E3B085C9AB24}">
+                  <p16:designElem xmlns:p16="http://schemas.microsoft.com/office/powerpoint/2015/main" val="1"/>
+                </p:ext>
+              </p:extLst>
+            </p:nvPr>
+          </p:nvSpPr>
+          <p:spPr bwMode="auto">
+            <a:xfrm>
+              <a:off x="5426601" y="5579"/>
+              <a:ext cx="5788025" cy="6847184"/>
+            </a:xfrm>
+            <a:custGeom>
+              <a:avLst/>
+              <a:gdLst/>
+              <a:ahLst/>
+              <a:cxnLst/>
+              <a:rect l="0" t="0" r="r" b="b"/>
+              <a:pathLst>
+                <a:path w="1216" h="1436">
+                  <a:moveTo>
+                    <a:pt x="1094" y="1436"/>
+                  </a:moveTo>
+                  <a:cubicBezTo>
+                    <a:pt x="1216" y="1114"/>
+                    <a:pt x="904" y="770"/>
+                    <a:pt x="709" y="551"/>
+                  </a:cubicBezTo>
+                  <a:cubicBezTo>
+                    <a:pt x="509" y="327"/>
+                    <a:pt x="274" y="127"/>
+                    <a:pt x="0" y="0"/>
+                  </a:cubicBezTo>
+                </a:path>
+              </a:pathLst>
+            </a:custGeom>
+            <a:noFill/>
+            <a:ln w="9525" cap="flat">
+              <a:solidFill>
+                <a:schemeClr val="tx1">
+                  <a:alpha val="20000"/>
+                </a:schemeClr>
+              </a:solidFill>
+              <a:prstDash val="solid"/>
+              <a:miter lim="800000"/>
+              <a:headEnd/>
+              <a:tailEnd/>
+            </a:ln>
+            <a:extLst>
+              <a:ext uri="{909E8E84-426E-40DD-AFC4-6F175D3DCCD1}">
+                <a14:hiddenFill xmlns:a14="http://schemas.microsoft.com/office/drawing/2010/main">
+                  <a:solidFill>
+                    <a:srgbClr val="FFFFFF"/>
+                  </a:solidFill>
+                </a14:hiddenFill>
+              </a:ext>
+            </a:extLst>
+          </p:spPr>
+        </p:sp>
+        <p:sp>
+          <p:nvSpPr>
+            <p:cNvPr id="18" name="Freeform 12">
+              <a:extLst>
+                <a:ext uri="{FF2B5EF4-FFF2-40B4-BE49-F238E27FC236}">
+                  <a16:creationId xmlns:a16="http://schemas.microsoft.com/office/drawing/2014/main" id="{FA1DD132-02E4-4CD3-B496-BFF924558A6C}"/>
+                </a:ext>
+                <a:ext uri="{C183D7F6-B498-43B3-948B-1728B52AA6E4}">
+                  <adec:decorative xmlns:adec="http://schemas.microsoft.com/office/drawing/2017/decorative" val="1"/>
+                </a:ext>
+              </a:extLst>
+            </p:cNvPr>
+            <p:cNvSpPr/>
+            <p:nvPr>
+              <p:extLst>
+                <p:ext uri="{386F3935-93C4-4BCD-93E2-E3B085C9AB24}">
+                  <p16:designElem xmlns:p16="http://schemas.microsoft.com/office/powerpoint/2015/main" val="1"/>
+                </p:ext>
+              </p:extLst>
+            </p:nvPr>
+          </p:nvSpPr>
+          <p:spPr bwMode="auto">
+            <a:xfrm>
+              <a:off x="-1061" y="5579"/>
+              <a:ext cx="1057275" cy="614491"/>
+            </a:xfrm>
+            <a:custGeom>
+              <a:avLst/>
+              <a:gdLst/>
+              <a:ahLst/>
+              <a:cxnLst/>
+              <a:rect l="0" t="0" r="r" b="b"/>
+              <a:pathLst>
+                <a:path w="222" h="129">
+                  <a:moveTo>
+                    <a:pt x="222" y="0"/>
+                  </a:moveTo>
+                  <a:cubicBezTo>
+                    <a:pt x="152" y="35"/>
+                    <a:pt x="76" y="78"/>
+                    <a:pt x="0" y="129"/>
+                  </a:cubicBezTo>
+                </a:path>
+              </a:pathLst>
+            </a:custGeom>
+            <a:noFill/>
+            <a:ln w="9525" cap="flat">
+              <a:solidFill>
+                <a:schemeClr val="tx1">
+                  <a:alpha val="20000"/>
+                </a:schemeClr>
+              </a:solidFill>
+              <a:prstDash val="solid"/>
+              <a:miter lim="800000"/>
+              <a:headEnd/>
+              <a:tailEnd/>
+            </a:ln>
+            <a:extLst>
+              <a:ext uri="{909E8E84-426E-40DD-AFC4-6F175D3DCCD1}">
+                <a14:hiddenFill xmlns:a14="http://schemas.microsoft.com/office/drawing/2010/main">
+                  <a:solidFill>
+                    <a:srgbClr val="FFFFFF"/>
+                  </a:solidFill>
+                </a14:hiddenFill>
+              </a:ext>
+            </a:extLst>
+          </p:spPr>
+        </p:sp>
+        <p:sp>
+          <p:nvSpPr>
+            <p:cNvPr id="19" name="Freeform 13">
+              <a:extLst>
+                <a:ext uri="{FF2B5EF4-FFF2-40B4-BE49-F238E27FC236}">
+                  <a16:creationId xmlns:a16="http://schemas.microsoft.com/office/drawing/2014/main" id="{710BDA52-A7D7-4E4E-9F36-EC8F983EAF14}"/>
+                </a:ext>
+                <a:ext uri="{C183D7F6-B498-43B3-948B-1728B52AA6E4}">
+                  <adec:decorative xmlns:adec="http://schemas.microsoft.com/office/drawing/2017/decorative" val="1"/>
+                </a:ext>
+              </a:extLst>
+            </p:cNvPr>
+            <p:cNvSpPr/>
+            <p:nvPr>
+              <p:extLst>
+                <p:ext uri="{386F3935-93C4-4BCD-93E2-E3B085C9AB24}">
+                  <p16:designElem xmlns:p16="http://schemas.microsoft.com/office/powerpoint/2015/main" val="1"/>
+                </p:ext>
+              </p:extLst>
+            </p:nvPr>
+          </p:nvSpPr>
+          <p:spPr bwMode="auto">
+            <a:xfrm>
+              <a:off x="5821889" y="5579"/>
+              <a:ext cx="5588000" cy="6866337"/>
+            </a:xfrm>
+            <a:custGeom>
+              <a:avLst/>
+              <a:gdLst/>
+              <a:ahLst/>
+              <a:cxnLst/>
+              <a:rect l="0" t="0" r="r" b="b"/>
+              <a:pathLst>
+                <a:path w="1174" h="1440">
+                  <a:moveTo>
+                    <a:pt x="1067" y="1440"/>
+                  </a:moveTo>
+                  <a:cubicBezTo>
+                    <a:pt x="1174" y="1124"/>
+                    <a:pt x="887" y="797"/>
+                    <a:pt x="698" y="577"/>
+                  </a:cubicBezTo>
+                  <a:cubicBezTo>
+                    <a:pt x="500" y="348"/>
+                    <a:pt x="270" y="141"/>
+                    <a:pt x="0" y="0"/>
+                  </a:cubicBezTo>
+                </a:path>
+              </a:pathLst>
+            </a:custGeom>
+            <a:noFill/>
+            <a:ln w="9525" cap="flat">
+              <a:solidFill>
+                <a:schemeClr val="tx1">
+                  <a:alpha val="20000"/>
+                </a:schemeClr>
+              </a:solidFill>
+              <a:prstDash val="dash"/>
+              <a:miter lim="800000"/>
+              <a:headEnd/>
+              <a:tailEnd/>
+            </a:ln>
+            <a:extLst>
+              <a:ext uri="{909E8E84-426E-40DD-AFC4-6F175D3DCCD1}">
+                <a14:hiddenFill xmlns:a14="http://schemas.microsoft.com/office/drawing/2010/main">
+                  <a:solidFill>
+                    <a:srgbClr val="FFFFFF"/>
+                  </a:solidFill>
+                </a14:hiddenFill>
+              </a:ext>
+            </a:extLst>
+          </p:spPr>
+        </p:sp>
+        <p:sp>
+          <p:nvSpPr>
+            <p:cNvPr id="20" name="Freeform 14">
+              <a:extLst>
+                <a:ext uri="{FF2B5EF4-FFF2-40B4-BE49-F238E27FC236}">
+                  <a16:creationId xmlns:a16="http://schemas.microsoft.com/office/drawing/2014/main" id="{B1BDF852-319F-42B8-9A50-7C9A9387CD9D}"/>
+                </a:ext>
+                <a:ext uri="{C183D7F6-B498-43B3-948B-1728B52AA6E4}">
+                  <adec:decorative xmlns:adec="http://schemas.microsoft.com/office/drawing/2017/decorative" val="1"/>
+                </a:ext>
+              </a:extLst>
+            </p:cNvPr>
+            <p:cNvSpPr/>
+            <p:nvPr>
+              <p:extLst>
+                <p:ext uri="{386F3935-93C4-4BCD-93E2-E3B085C9AB24}">
+                  <p16:designElem xmlns:p16="http://schemas.microsoft.com/office/powerpoint/2015/main" val="1"/>
+                </p:ext>
+              </p:extLst>
+            </p:nvPr>
+          </p:nvSpPr>
+          <p:spPr bwMode="auto">
+            <a:xfrm>
+              <a:off x="3701" y="790"/>
+              <a:ext cx="595313" cy="352734"/>
+            </a:xfrm>
+            <a:custGeom>
+              <a:avLst/>
+              <a:gdLst/>
+              <a:ahLst/>
+              <a:cxnLst/>
+              <a:rect l="0" t="0" r="r" b="b"/>
+              <a:pathLst>
+                <a:path w="125" h="74">
+                  <a:moveTo>
+                    <a:pt x="125" y="0"/>
+                  </a:moveTo>
+                  <a:cubicBezTo>
+                    <a:pt x="85" y="22"/>
+                    <a:pt x="43" y="47"/>
+                    <a:pt x="0" y="74"/>
+                  </a:cubicBezTo>
+                </a:path>
+              </a:pathLst>
+            </a:custGeom>
+            <a:noFill/>
+            <a:ln w="9525" cap="flat">
+              <a:solidFill>
+                <a:schemeClr val="tx1">
+                  <a:alpha val="20000"/>
+                </a:schemeClr>
+              </a:solidFill>
+              <a:prstDash val="dash"/>
+              <a:miter lim="800000"/>
+              <a:headEnd/>
+              <a:tailEnd/>
+            </a:ln>
+            <a:extLst>
+              <a:ext uri="{909E8E84-426E-40DD-AFC4-6F175D3DCCD1}">
+                <a14:hiddenFill xmlns:a14="http://schemas.microsoft.com/office/drawing/2010/main">
+                  <a:solidFill>
+                    <a:srgbClr val="FFFFFF"/>
+                  </a:solidFill>
+                </a14:hiddenFill>
+              </a:ext>
+            </a:extLst>
+          </p:spPr>
+        </p:sp>
+        <p:sp>
+          <p:nvSpPr>
+            <p:cNvPr id="21" name="Freeform 15">
+              <a:extLst>
+                <a:ext uri="{FF2B5EF4-FFF2-40B4-BE49-F238E27FC236}">
+                  <a16:creationId xmlns:a16="http://schemas.microsoft.com/office/drawing/2014/main" id="{3AACE376-C01E-4F1F-91B7-39D0274BFE9A}"/>
+                </a:ext>
+                <a:ext uri="{C183D7F6-B498-43B3-948B-1728B52AA6E4}">
+                  <adec:decorative xmlns:adec="http://schemas.microsoft.com/office/drawing/2017/decorative" val="1"/>
+                </a:ext>
+              </a:extLst>
+            </p:cNvPr>
+            <p:cNvSpPr/>
+            <p:nvPr>
+              <p:extLst>
+                <p:ext uri="{386F3935-93C4-4BCD-93E2-E3B085C9AB24}">
+                  <p16:designElem xmlns:p16="http://schemas.microsoft.com/office/powerpoint/2015/main" val="1"/>
+                </p:ext>
+              </p:extLst>
+            </p:nvPr>
+          </p:nvSpPr>
+          <p:spPr bwMode="auto">
+            <a:xfrm>
+              <a:off x="6012389" y="5579"/>
+              <a:ext cx="5497513" cy="6866337"/>
+            </a:xfrm>
+            <a:custGeom>
+              <a:avLst/>
+              <a:gdLst/>
+              <a:ahLst/>
+              <a:cxnLst/>
+              <a:rect l="0" t="0" r="r" b="b"/>
+              <a:pathLst>
+                <a:path w="1155" h="1440">
+                  <a:moveTo>
+                    <a:pt x="1056" y="1440"/>
+                  </a:moveTo>
+                  <a:cubicBezTo>
+                    <a:pt x="1155" y="1123"/>
+                    <a:pt x="875" y="801"/>
+                    <a:pt x="686" y="580"/>
+                  </a:cubicBezTo>
+                  <a:cubicBezTo>
+                    <a:pt x="491" y="352"/>
+                    <a:pt x="264" y="145"/>
+                    <a:pt x="0" y="0"/>
+                  </a:cubicBezTo>
+                </a:path>
+              </a:pathLst>
+            </a:custGeom>
+            <a:noFill/>
+            <a:ln w="12700" cap="flat">
+              <a:solidFill>
+                <a:schemeClr val="tx1">
+                  <a:alpha val="20000"/>
+                </a:schemeClr>
+              </a:solidFill>
+              <a:prstDash val="dashDot"/>
+              <a:miter lim="800000"/>
+              <a:headEnd/>
+              <a:tailEnd/>
+            </a:ln>
+            <a:extLst>
+              <a:ext uri="{909E8E84-426E-40DD-AFC4-6F175D3DCCD1}">
+                <a14:hiddenFill xmlns:a14="http://schemas.microsoft.com/office/drawing/2010/main">
+                  <a:solidFill>
+                    <a:srgbClr val="FFFFFF"/>
+                  </a:solidFill>
+                </a14:hiddenFill>
+              </a:ext>
+            </a:extLst>
+          </p:spPr>
+        </p:sp>
+        <p:sp>
+          <p:nvSpPr>
+            <p:cNvPr id="22" name="Freeform 16">
+              <a:extLst>
+                <a:ext uri="{FF2B5EF4-FFF2-40B4-BE49-F238E27FC236}">
+                  <a16:creationId xmlns:a16="http://schemas.microsoft.com/office/drawing/2014/main" id="{7F612F4C-050E-459D-9771-ED088374A560}"/>
+                </a:ext>
+                <a:ext uri="{C183D7F6-B498-43B3-948B-1728B52AA6E4}">
+                  <adec:decorative xmlns:adec="http://schemas.microsoft.com/office/drawing/2017/decorative" val="1"/>
+                </a:ext>
+              </a:extLst>
+            </p:cNvPr>
+            <p:cNvSpPr/>
+            <p:nvPr>
+              <p:extLst>
+                <p:ext uri="{386F3935-93C4-4BCD-93E2-E3B085C9AB24}">
+                  <p16:designElem xmlns:p16="http://schemas.microsoft.com/office/powerpoint/2015/main" val="1"/>
+                </p:ext>
+              </p:extLst>
+            </p:nvPr>
+          </p:nvSpPr>
+          <p:spPr bwMode="auto">
+            <a:xfrm>
+              <a:off x="-1061" y="5579"/>
+              <a:ext cx="357188" cy="213875"/>
+            </a:xfrm>
+            <a:custGeom>
+              <a:avLst/>
+              <a:gdLst/>
+              <a:ahLst/>
+              <a:cxnLst/>
+              <a:rect l="0" t="0" r="r" b="b"/>
+              <a:pathLst>
+                <a:path w="75" h="45">
+                  <a:moveTo>
+                    <a:pt x="75" y="0"/>
+                  </a:moveTo>
+                  <a:cubicBezTo>
+                    <a:pt x="50" y="14"/>
+                    <a:pt x="25" y="29"/>
+                    <a:pt x="0" y="45"/>
+                  </a:cubicBezTo>
+                </a:path>
+              </a:pathLst>
+            </a:custGeom>
+            <a:noFill/>
+            <a:ln w="12700" cap="flat">
+              <a:solidFill>
+                <a:schemeClr val="tx1">
+                  <a:alpha val="20000"/>
+                </a:schemeClr>
+              </a:solidFill>
+              <a:prstDash val="dashDot"/>
+              <a:miter lim="800000"/>
+              <a:headEnd/>
+              <a:tailEnd/>
+            </a:ln>
+            <a:extLst>
+              <a:ext uri="{909E8E84-426E-40DD-AFC4-6F175D3DCCD1}">
+                <a14:hiddenFill xmlns:a14="http://schemas.microsoft.com/office/drawing/2010/main">
+                  <a:solidFill>
+                    <a:srgbClr val="FFFFFF"/>
+                  </a:solidFill>
+                </a14:hiddenFill>
+              </a:ext>
+            </a:extLst>
+          </p:spPr>
+        </p:sp>
+        <p:sp>
+          <p:nvSpPr>
+            <p:cNvPr id="23" name="Freeform 17">
+              <a:extLst>
+                <a:ext uri="{FF2B5EF4-FFF2-40B4-BE49-F238E27FC236}">
+                  <a16:creationId xmlns:a16="http://schemas.microsoft.com/office/drawing/2014/main" id="{94E4211B-3E41-4905-8F4E-76811B9E5742}"/>
+                </a:ext>
+                <a:ext uri="{C183D7F6-B498-43B3-948B-1728B52AA6E4}">
+                  <adec:decorative xmlns:adec="http://schemas.microsoft.com/office/drawing/2017/decorative" val="1"/>
+                </a:ext>
+              </a:extLst>
+            </p:cNvPr>
+            <p:cNvSpPr/>
+            <p:nvPr>
+              <p:extLst>
+                <p:ext uri="{386F3935-93C4-4BCD-93E2-E3B085C9AB24}">
+                  <p16:designElem xmlns:p16="http://schemas.microsoft.com/office/powerpoint/2015/main" val="1"/>
+                </p:ext>
+              </p:extLst>
+            </p:nvPr>
+          </p:nvSpPr>
+          <p:spPr bwMode="auto">
+            <a:xfrm>
+              <a:off x="6210826" y="790"/>
+              <a:ext cx="5522913" cy="6871126"/>
+            </a:xfrm>
+            <a:custGeom>
+              <a:avLst/>
+              <a:gdLst/>
+              <a:ahLst/>
+              <a:cxnLst/>
+              <a:rect l="0" t="0" r="r" b="b"/>
+              <a:pathLst>
+                <a:path w="1160" h="1441">
+                  <a:moveTo>
+                    <a:pt x="1053" y="1441"/>
+                  </a:moveTo>
+                  <a:cubicBezTo>
+                    <a:pt x="1160" y="1129"/>
+                    <a:pt x="892" y="817"/>
+                    <a:pt x="705" y="599"/>
+                  </a:cubicBezTo>
+                  <a:cubicBezTo>
+                    <a:pt x="503" y="365"/>
+                    <a:pt x="270" y="152"/>
+                    <a:pt x="0" y="0"/>
+                  </a:cubicBezTo>
+                </a:path>
+              </a:pathLst>
+            </a:custGeom>
+            <a:noFill/>
+            <a:ln w="9525" cap="flat">
+              <a:solidFill>
+                <a:schemeClr val="tx1">
+                  <a:alpha val="20000"/>
+                </a:schemeClr>
+              </a:solidFill>
+              <a:prstDash val="solid"/>
+              <a:miter lim="800000"/>
+              <a:headEnd/>
+              <a:tailEnd/>
+            </a:ln>
+            <a:extLst>
+              <a:ext uri="{909E8E84-426E-40DD-AFC4-6F175D3DCCD1}">
+                <a14:hiddenFill xmlns:a14="http://schemas.microsoft.com/office/drawing/2010/main">
+                  <a:solidFill>
+                    <a:srgbClr val="FFFFFF"/>
+                  </a:solidFill>
+                </a14:hiddenFill>
+              </a:ext>
+            </a:extLst>
+          </p:spPr>
+        </p:sp>
+        <p:sp>
+          <p:nvSpPr>
+            <p:cNvPr id="24" name="Freeform 18">
+              <a:extLst>
+                <a:ext uri="{FF2B5EF4-FFF2-40B4-BE49-F238E27FC236}">
+                  <a16:creationId xmlns:a16="http://schemas.microsoft.com/office/drawing/2014/main" id="{6AEC87EE-0CB8-43DE-8FEB-4586A92E8091}"/>
+                </a:ext>
+                <a:ext uri="{C183D7F6-B498-43B3-948B-1728B52AA6E4}">
+                  <adec:decorative xmlns:adec="http://schemas.microsoft.com/office/drawing/2017/decorative" val="1"/>
+                </a:ext>
+              </a:extLst>
+            </p:cNvPr>
+            <p:cNvSpPr/>
+            <p:nvPr>
+              <p:extLst>
+                <p:ext uri="{386F3935-93C4-4BCD-93E2-E3B085C9AB24}">
+                  <p16:designElem xmlns:p16="http://schemas.microsoft.com/office/powerpoint/2015/main" val="1"/>
+                </p:ext>
+              </p:extLst>
+            </p:nvPr>
+          </p:nvSpPr>
+          <p:spPr bwMode="auto">
+            <a:xfrm>
+              <a:off x="6463239" y="5579"/>
+              <a:ext cx="5413375" cy="6866337"/>
+            </a:xfrm>
+            <a:custGeom>
+              <a:avLst/>
+              <a:gdLst/>
+              <a:ahLst/>
+              <a:cxnLst/>
+              <a:rect l="0" t="0" r="r" b="b"/>
+              <a:pathLst>
+                <a:path w="1137" h="1440">
+                  <a:moveTo>
+                    <a:pt x="1040" y="1440"/>
+                  </a:moveTo>
+                  <a:cubicBezTo>
+                    <a:pt x="1137" y="1131"/>
+                    <a:pt x="883" y="828"/>
+                    <a:pt x="698" y="611"/>
+                  </a:cubicBezTo>
+                  <a:cubicBezTo>
+                    <a:pt x="498" y="375"/>
+                    <a:pt x="268" y="159"/>
+                    <a:pt x="0" y="0"/>
+                  </a:cubicBezTo>
+                </a:path>
+              </a:pathLst>
+            </a:custGeom>
+            <a:noFill/>
+            <a:ln w="9525" cap="flat">
+              <a:solidFill>
+                <a:schemeClr val="tx1">
+                  <a:alpha val="20000"/>
+                </a:schemeClr>
+              </a:solidFill>
+              <a:prstDash val="solid"/>
+              <a:miter lim="800000"/>
+              <a:headEnd/>
+              <a:tailEnd/>
+            </a:ln>
+            <a:extLst>
+              <a:ext uri="{909E8E84-426E-40DD-AFC4-6F175D3DCCD1}">
+                <a14:hiddenFill xmlns:a14="http://schemas.microsoft.com/office/drawing/2010/main">
+                  <a:solidFill>
+                    <a:srgbClr val="FFFFFF"/>
+                  </a:solidFill>
+                </a14:hiddenFill>
+              </a:ext>
+            </a:extLst>
+          </p:spPr>
+        </p:sp>
+        <p:sp>
+          <p:nvSpPr>
+            <p:cNvPr id="25" name="Freeform 19">
+              <a:extLst>
+                <a:ext uri="{FF2B5EF4-FFF2-40B4-BE49-F238E27FC236}">
+                  <a16:creationId xmlns:a16="http://schemas.microsoft.com/office/drawing/2014/main" id="{277C1C5D-7BDC-47E4-8B81-C3C4AE949B49}"/>
+                </a:ext>
+                <a:ext uri="{C183D7F6-B498-43B3-948B-1728B52AA6E4}">
+                  <adec:decorative xmlns:adec="http://schemas.microsoft.com/office/drawing/2017/decorative" val="1"/>
+                </a:ext>
+              </a:extLst>
+            </p:cNvPr>
+            <p:cNvSpPr/>
+            <p:nvPr>
+              <p:extLst>
+                <p:ext uri="{386F3935-93C4-4BCD-93E2-E3B085C9AB24}">
+                  <p16:designElem xmlns:p16="http://schemas.microsoft.com/office/powerpoint/2015/main" val="1"/>
+                </p:ext>
+              </p:extLst>
+            </p:nvPr>
+          </p:nvSpPr>
+          <p:spPr bwMode="auto">
+            <a:xfrm>
+              <a:off x="6877576" y="5579"/>
+              <a:ext cx="5037138" cy="6861550"/>
+            </a:xfrm>
+            <a:custGeom>
+              <a:avLst/>
+              <a:gdLst/>
+              <a:ahLst/>
+              <a:cxnLst/>
+              <a:rect l="0" t="0" r="r" b="b"/>
+              <a:pathLst>
+                <a:path w="1058" h="1439">
+                  <a:moveTo>
+                    <a:pt x="1011" y="1439"/>
+                  </a:moveTo>
+                  <a:cubicBezTo>
+                    <a:pt x="1058" y="1131"/>
+                    <a:pt x="825" y="841"/>
+                    <a:pt x="648" y="617"/>
+                  </a:cubicBezTo>
+                  <a:cubicBezTo>
+                    <a:pt x="462" y="383"/>
+                    <a:pt x="248" y="168"/>
+                    <a:pt x="0" y="0"/>
+                  </a:cubicBezTo>
+                </a:path>
+              </a:pathLst>
+            </a:custGeom>
+            <a:noFill/>
+            <a:ln w="9525" cap="flat">
+              <a:solidFill>
+                <a:schemeClr val="tx1">
+                  <a:alpha val="20000"/>
+                </a:schemeClr>
+              </a:solidFill>
+              <a:prstDash val="solid"/>
+              <a:miter lim="800000"/>
+              <a:headEnd/>
+              <a:tailEnd/>
+            </a:ln>
+            <a:extLst>
+              <a:ext uri="{909E8E84-426E-40DD-AFC4-6F175D3DCCD1}">
+                <a14:hiddenFill xmlns:a14="http://schemas.microsoft.com/office/drawing/2010/main">
+                  <a:solidFill>
+                    <a:srgbClr val="FFFFFF"/>
+                  </a:solidFill>
+                </a14:hiddenFill>
+              </a:ext>
+            </a:extLst>
+          </p:spPr>
+        </p:sp>
+        <p:sp>
+          <p:nvSpPr>
+            <p:cNvPr id="26" name="Freeform 20">
+              <a:extLst>
+                <a:ext uri="{FF2B5EF4-FFF2-40B4-BE49-F238E27FC236}">
+                  <a16:creationId xmlns:a16="http://schemas.microsoft.com/office/drawing/2014/main" id="{7A2A6EF8-9768-4478-9CD3-DFA547CEFCCB}"/>
+                </a:ext>
+                <a:ext uri="{C183D7F6-B498-43B3-948B-1728B52AA6E4}">
+                  <adec:decorative xmlns:adec="http://schemas.microsoft.com/office/drawing/2017/decorative" val="1"/>
+                </a:ext>
+              </a:extLst>
+            </p:cNvPr>
+            <p:cNvSpPr/>
+            <p:nvPr>
+              <p:extLst>
+                <p:ext uri="{386F3935-93C4-4BCD-93E2-E3B085C9AB24}">
+                  <p16:designElem xmlns:p16="http://schemas.microsoft.com/office/powerpoint/2015/main" val="1"/>
+                </p:ext>
+              </p:extLst>
+            </p:nvPr>
+          </p:nvSpPr>
+          <p:spPr bwMode="auto">
+            <a:xfrm>
+              <a:off x="8768289" y="5579"/>
+              <a:ext cx="3417888" cy="2742066"/>
+            </a:xfrm>
+            <a:custGeom>
+              <a:avLst/>
+              <a:gdLst/>
+              <a:ahLst/>
+              <a:cxnLst/>
+              <a:rect l="0" t="0" r="r" b="b"/>
+              <a:pathLst>
+                <a:path w="718" h="575">
+                  <a:moveTo>
+                    <a:pt x="718" y="575"/>
+                  </a:moveTo>
+                  <a:cubicBezTo>
+                    <a:pt x="500" y="360"/>
+                    <a:pt x="260" y="163"/>
+                    <a:pt x="0" y="0"/>
+                  </a:cubicBezTo>
+                </a:path>
+              </a:pathLst>
+            </a:custGeom>
+            <a:noFill/>
+            <a:ln w="9525" cap="flat">
+              <a:solidFill>
+                <a:schemeClr val="tx1">
+                  <a:alpha val="20000"/>
+                </a:schemeClr>
+              </a:solidFill>
+              <a:prstDash val="solid"/>
+              <a:miter lim="800000"/>
+              <a:headEnd/>
+              <a:tailEnd/>
+            </a:ln>
+            <a:extLst>
+              <a:ext uri="{909E8E84-426E-40DD-AFC4-6F175D3DCCD1}">
+                <a14:hiddenFill xmlns:a14="http://schemas.microsoft.com/office/drawing/2010/main">
+                  <a:solidFill>
+                    <a:srgbClr val="FFFFFF"/>
+                  </a:solidFill>
+                </a14:hiddenFill>
+              </a:ext>
+            </a:extLst>
+          </p:spPr>
+        </p:sp>
+        <p:sp>
+          <p:nvSpPr>
+            <p:cNvPr id="27" name="Freeform 21">
+              <a:extLst>
+                <a:ext uri="{FF2B5EF4-FFF2-40B4-BE49-F238E27FC236}">
+                  <a16:creationId xmlns:a16="http://schemas.microsoft.com/office/drawing/2014/main" id="{1FD9091C-E8FA-4ADA-937F-A74426ED1B9B}"/>
+                </a:ext>
+                <a:ext uri="{C183D7F6-B498-43B3-948B-1728B52AA6E4}">
+                  <adec:decorative xmlns:adec="http://schemas.microsoft.com/office/drawing/2017/decorative" val="1"/>
+                </a:ext>
+              </a:extLst>
+            </p:cNvPr>
+            <p:cNvSpPr/>
+            <p:nvPr>
+              <p:extLst>
+                <p:ext uri="{386F3935-93C4-4BCD-93E2-E3B085C9AB24}">
+                  <p16:designElem xmlns:p16="http://schemas.microsoft.com/office/powerpoint/2015/main" val="1"/>
+                </p:ext>
+              </p:extLst>
+            </p:nvPr>
+          </p:nvSpPr>
+          <p:spPr bwMode="auto">
+            <a:xfrm>
+              <a:off x="9235014" y="10367"/>
+              <a:ext cx="2951163" cy="2555325"/>
+            </a:xfrm>
+            <a:custGeom>
+              <a:avLst/>
+              <a:gdLst/>
+              <a:ahLst/>
+              <a:cxnLst/>
+              <a:rect l="0" t="0" r="r" b="b"/>
+              <a:pathLst>
+                <a:path w="620" h="536">
+                  <a:moveTo>
+                    <a:pt x="620" y="536"/>
+                  </a:moveTo>
+                  <a:cubicBezTo>
+                    <a:pt x="404" y="314"/>
+                    <a:pt x="196" y="138"/>
+                    <a:pt x="0" y="0"/>
+                  </a:cubicBezTo>
+                </a:path>
+              </a:pathLst>
+            </a:custGeom>
+            <a:noFill/>
+            <a:ln w="9525" cap="flat">
+              <a:solidFill>
+                <a:schemeClr val="tx1">
+                  <a:alpha val="20000"/>
+                </a:schemeClr>
+              </a:solidFill>
+              <a:prstDash val="solid"/>
+              <a:miter lim="800000"/>
+              <a:headEnd/>
+              <a:tailEnd/>
+            </a:ln>
+            <a:extLst>
+              <a:ext uri="{909E8E84-426E-40DD-AFC4-6F175D3DCCD1}">
+                <a14:hiddenFill xmlns:a14="http://schemas.microsoft.com/office/drawing/2010/main">
+                  <a:solidFill>
+                    <a:srgbClr val="FFFFFF"/>
+                  </a:solidFill>
+                </a14:hiddenFill>
+              </a:ext>
+            </a:extLst>
+          </p:spPr>
+        </p:sp>
+        <p:sp>
+          <p:nvSpPr>
+            <p:cNvPr id="28" name="Freeform 22">
+              <a:extLst>
+                <a:ext uri="{FF2B5EF4-FFF2-40B4-BE49-F238E27FC236}">
+                  <a16:creationId xmlns:a16="http://schemas.microsoft.com/office/drawing/2014/main" id="{B69923E7-63C4-47CE-956E-09D384D4FE66}"/>
+                </a:ext>
+                <a:ext uri="{C183D7F6-B498-43B3-948B-1728B52AA6E4}">
+                  <adec:decorative xmlns:adec="http://schemas.microsoft.com/office/drawing/2017/decorative" val="1"/>
+                </a:ext>
+              </a:extLst>
+            </p:cNvPr>
+            <p:cNvSpPr/>
+            <p:nvPr>
+              <p:extLst>
+                <p:ext uri="{386F3935-93C4-4BCD-93E2-E3B085C9AB24}">
+                  <p16:designElem xmlns:p16="http://schemas.microsoft.com/office/powerpoint/2015/main" val="1"/>
+                </p:ext>
+              </p:extLst>
+            </p:nvPr>
+          </p:nvSpPr>
+          <p:spPr bwMode="auto">
+            <a:xfrm>
+              <a:off x="10020826" y="5579"/>
+              <a:ext cx="2165350" cy="1358265"/>
+            </a:xfrm>
+            <a:custGeom>
+              <a:avLst/>
+              <a:gdLst/>
+              <a:ahLst/>
+              <a:cxnLst/>
+              <a:rect l="0" t="0" r="r" b="b"/>
+              <a:pathLst>
+                <a:path w="455" h="285">
+                  <a:moveTo>
+                    <a:pt x="0" y="0"/>
+                  </a:moveTo>
+                  <a:cubicBezTo>
+                    <a:pt x="153" y="85"/>
+                    <a:pt x="308" y="180"/>
+                    <a:pt x="455" y="285"/>
+                  </a:cubicBezTo>
+                </a:path>
+              </a:pathLst>
+            </a:custGeom>
+            <a:noFill/>
+            <a:ln w="9525" cap="flat">
+              <a:solidFill>
+                <a:schemeClr val="tx1">
+                  <a:alpha val="20000"/>
+                </a:schemeClr>
+              </a:solidFill>
+              <a:prstDash val="dash"/>
+              <a:miter lim="800000"/>
+              <a:headEnd/>
+              <a:tailEnd/>
+            </a:ln>
+            <a:extLst>
+              <a:ext uri="{909E8E84-426E-40DD-AFC4-6F175D3DCCD1}">
+                <a14:hiddenFill xmlns:a14="http://schemas.microsoft.com/office/drawing/2010/main">
+                  <a:solidFill>
+                    <a:srgbClr val="FFFFFF"/>
+                  </a:solidFill>
+                </a14:hiddenFill>
+              </a:ext>
+            </a:extLst>
+          </p:spPr>
+        </p:sp>
+        <p:sp>
+          <p:nvSpPr>
+            <p:cNvPr id="29" name="Freeform 23">
+              <a:extLst>
+                <a:ext uri="{FF2B5EF4-FFF2-40B4-BE49-F238E27FC236}">
+                  <a16:creationId xmlns:a16="http://schemas.microsoft.com/office/drawing/2014/main" id="{A2576784-872E-494C-A041-0E346226B72A}"/>
+                </a:ext>
+                <a:ext uri="{C183D7F6-B498-43B3-948B-1728B52AA6E4}">
+                  <adec:decorative xmlns:adec="http://schemas.microsoft.com/office/drawing/2017/decorative" val="1"/>
+                </a:ext>
+              </a:extLst>
+            </p:cNvPr>
+            <p:cNvSpPr/>
+            <p:nvPr>
+              <p:extLst>
+                <p:ext uri="{386F3935-93C4-4BCD-93E2-E3B085C9AB24}">
+                  <p16:designElem xmlns:p16="http://schemas.microsoft.com/office/powerpoint/2015/main" val="1"/>
+                </p:ext>
+              </p:extLst>
+            </p:nvPr>
+          </p:nvSpPr>
+          <p:spPr bwMode="auto">
+            <a:xfrm>
+              <a:off x="11290826" y="5579"/>
+              <a:ext cx="895350" cy="534687"/>
+            </a:xfrm>
+            <a:custGeom>
+              <a:avLst/>
+              <a:gdLst/>
+              <a:ahLst/>
+              <a:cxnLst/>
+              <a:rect l="0" t="0" r="r" b="b"/>
+              <a:pathLst>
+                <a:path w="188" h="112">
+                  <a:moveTo>
+                    <a:pt x="0" y="0"/>
+                  </a:moveTo>
+                  <a:cubicBezTo>
+                    <a:pt x="63" y="36"/>
+                    <a:pt x="126" y="73"/>
+                    <a:pt x="188" y="112"/>
+                  </a:cubicBezTo>
+                </a:path>
+              </a:pathLst>
+            </a:custGeom>
+            <a:noFill/>
+            <a:ln w="9525" cap="flat">
+              <a:solidFill>
+                <a:schemeClr val="tx1">
+                  <a:alpha val="20000"/>
+                </a:schemeClr>
+              </a:solidFill>
+              <a:prstDash val="solid"/>
+              <a:miter lim="800000"/>
+              <a:headEnd/>
+              <a:tailEnd/>
+            </a:ln>
+            <a:extLst>
+              <a:ext uri="{909E8E84-426E-40DD-AFC4-6F175D3DCCD1}">
+                <a14:hiddenFill xmlns:a14="http://schemas.microsoft.com/office/drawing/2010/main">
+                  <a:solidFill>
+                    <a:srgbClr val="FFFFFF"/>
+                  </a:solidFill>
+                </a14:hiddenFill>
+              </a:ext>
+            </a:extLst>
+          </p:spPr>
+        </p:sp>
+      </p:grpSp>
+      <p:grpSp>
+        <p:nvGrpSpPr>
+          <p:cNvPr id="31" name="Group 30">
+            <a:extLst>
+              <a:ext uri="{FF2B5EF4-FFF2-40B4-BE49-F238E27FC236}">
+                <a16:creationId xmlns:a16="http://schemas.microsoft.com/office/drawing/2014/main" id="{B54F73D8-62C2-4127-9D19-01219BBB9942}"/>
+              </a:ext>
+              <a:ext uri="{C183D7F6-B498-43B3-948B-1728B52AA6E4}">
+                <adec:decorative xmlns:adec="http://schemas.microsoft.com/office/drawing/2017/decorative" val="1"/>
+              </a:ext>
+            </a:extLst>
+          </p:cNvPr>
+          <p:cNvGrpSpPr>
+            <a:grpSpLocks noGrp="1" noUngrp="1" noRot="1" noChangeAspect="1" noMove="1" noResize="1"/>
+          </p:cNvGrpSpPr>
+          <p:nvPr>
+            <p:extLst>
+              <p:ext uri="{386F3935-93C4-4BCD-93E2-E3B085C9AB24}">
+                <p16:designElem xmlns:p16="http://schemas.microsoft.com/office/powerpoint/2015/main" val="1"/>
+              </p:ext>
+            </p:extLst>
+          </p:nvPr>
+        </p:nvGrpSpPr>
+        <p:grpSpPr>
+          <a:xfrm>
+            <a:off x="1669293" y="1186483"/>
+            <a:ext cx="8848345" cy="4477933"/>
+            <a:chOff x="1669293" y="1186483"/>
+            <a:chExt cx="8848345" cy="4477933"/>
+          </a:xfrm>
+        </p:grpSpPr>
+        <p:sp>
+          <p:nvSpPr>
+            <p:cNvPr id="32" name="Rectangle 31">
+              <a:extLst>
+                <a:ext uri="{FF2B5EF4-FFF2-40B4-BE49-F238E27FC236}">
+                  <a16:creationId xmlns:a16="http://schemas.microsoft.com/office/drawing/2014/main" id="{CFD8CA02-9BE5-4B82-8129-6EF61840247C}"/>
+                </a:ext>
+                <a:ext uri="{C183D7F6-B498-43B3-948B-1728B52AA6E4}">
+                  <adec:decorative xmlns:adec="http://schemas.microsoft.com/office/drawing/2017/decorative" val="1"/>
+                </a:ext>
+              </a:extLst>
+            </p:cNvPr>
+            <p:cNvSpPr/>
+            <p:nvPr>
+              <p:extLst>
+                <p:ext uri="{386F3935-93C4-4BCD-93E2-E3B085C9AB24}">
+                  <p16:designElem xmlns:p16="http://schemas.microsoft.com/office/powerpoint/2015/main" val="1"/>
+                </p:ext>
+              </p:extLst>
+            </p:nvPr>
+          </p:nvSpPr>
+          <p:spPr>
+            <a:xfrm>
+              <a:off x="1674042" y="1186483"/>
+              <a:ext cx="8843596" cy="716184"/>
+            </a:xfrm>
+            <a:prstGeom prst="rect">
+              <a:avLst/>
+            </a:prstGeom>
+            <a:solidFill>
+              <a:schemeClr val="accent1"/>
+            </a:solidFill>
+            <a:ln>
+              <a:noFill/>
+            </a:ln>
+          </p:spPr>
+          <p:style>
+            <a:lnRef idx="2">
+              <a:schemeClr val="accent1">
+                <a:shade val="50000"/>
+              </a:schemeClr>
+            </a:lnRef>
+            <a:fillRef idx="1">
+              <a:schemeClr val="accent1"/>
+            </a:fillRef>
+            <a:effectRef idx="0">
+              <a:schemeClr val="accent1"/>
+            </a:effectRef>
+            <a:fontRef idx="minor">
+              <a:schemeClr val="lt1"/>
+            </a:fontRef>
+          </p:style>
+        </p:sp>
+        <p:sp>
+          <p:nvSpPr>
+            <p:cNvPr id="33" name="Isosceles Triangle 32">
+              <a:extLst>
+                <a:ext uri="{FF2B5EF4-FFF2-40B4-BE49-F238E27FC236}">
+                  <a16:creationId xmlns:a16="http://schemas.microsoft.com/office/drawing/2014/main" id="{01515E68-030C-4313-B300-35253163D3F3}"/>
+                </a:ext>
+                <a:ext uri="{C183D7F6-B498-43B3-948B-1728B52AA6E4}">
+                  <adec:decorative xmlns:adec="http://schemas.microsoft.com/office/drawing/2017/decorative" val="1"/>
+                </a:ext>
+              </a:extLst>
+            </p:cNvPr>
+            <p:cNvSpPr/>
+            <p:nvPr>
+              <p:extLst>
+                <p:ext uri="{386F3935-93C4-4BCD-93E2-E3B085C9AB24}">
+                  <p16:designElem xmlns:p16="http://schemas.microsoft.com/office/powerpoint/2015/main" val="1"/>
+                </p:ext>
+              </p:extLst>
+            </p:nvPr>
+          </p:nvSpPr>
+          <p:spPr>
+            <a:xfrm rot="10800000">
+              <a:off x="5892384" y="5313353"/>
+              <a:ext cx="407233" cy="351063"/>
+            </a:xfrm>
+            <a:prstGeom prst="triangle">
+              <a:avLst/>
+            </a:prstGeom>
+            <a:solidFill>
+              <a:schemeClr val="accent1"/>
+            </a:solidFill>
+            <a:ln>
+              <a:noFill/>
+            </a:ln>
+          </p:spPr>
+          <p:style>
+            <a:lnRef idx="2">
+              <a:schemeClr val="accent1">
+                <a:shade val="50000"/>
+              </a:schemeClr>
+            </a:lnRef>
+            <a:fillRef idx="1">
+              <a:schemeClr val="accent1"/>
+            </a:fillRef>
+            <a:effectRef idx="0">
+              <a:schemeClr val="accent1"/>
+            </a:effectRef>
+            <a:fontRef idx="minor">
+              <a:schemeClr val="lt1"/>
+            </a:fontRef>
+          </p:style>
+        </p:sp>
+        <p:sp>
+          <p:nvSpPr>
+            <p:cNvPr id="34" name="Rectangle 33">
+              <a:extLst>
+                <a:ext uri="{FF2B5EF4-FFF2-40B4-BE49-F238E27FC236}">
+                  <a16:creationId xmlns:a16="http://schemas.microsoft.com/office/drawing/2014/main" id="{1937725F-1DDF-4225-937E-106DBB047F0A}"/>
+                </a:ext>
+                <a:ext uri="{C183D7F6-B498-43B3-948B-1728B52AA6E4}">
+                  <adec:decorative xmlns:adec="http://schemas.microsoft.com/office/drawing/2017/decorative" val="1"/>
+                </a:ext>
+              </a:extLst>
+            </p:cNvPr>
+            <p:cNvSpPr/>
+            <p:nvPr>
+              <p:extLst>
+                <p:ext uri="{386F3935-93C4-4BCD-93E2-E3B085C9AB24}">
+                  <p16:designElem xmlns:p16="http://schemas.microsoft.com/office/powerpoint/2015/main" val="1"/>
+                </p:ext>
+              </p:extLst>
+            </p:nvPr>
+          </p:nvSpPr>
+          <p:spPr>
+            <a:xfrm>
+              <a:off x="1669293" y="1991156"/>
+              <a:ext cx="8845667" cy="3322196"/>
+            </a:xfrm>
+            <a:prstGeom prst="rect">
+              <a:avLst/>
+            </a:prstGeom>
+            <a:solidFill>
+              <a:schemeClr val="accent1"/>
+            </a:solidFill>
+            <a:ln>
+              <a:noFill/>
+            </a:ln>
+          </p:spPr>
+          <p:style>
+            <a:lnRef idx="2">
+              <a:schemeClr val="accent1">
+                <a:shade val="50000"/>
+              </a:schemeClr>
+            </a:lnRef>
+            <a:fillRef idx="1">
+              <a:schemeClr val="accent1"/>
+            </a:fillRef>
+            <a:effectRef idx="0">
+              <a:schemeClr val="accent1"/>
+            </a:effectRef>
+            <a:fontRef idx="minor">
+              <a:schemeClr val="lt1"/>
+            </a:fontRef>
+          </p:style>
+        </p:sp>
+      </p:grpSp>
+      <p:sp useBgFill="1">
+        <p:nvSpPr>
+          <p:cNvPr id="36" name="Rectangle 35">
+            <a:extLst>
+              <a:ext uri="{FF2B5EF4-FFF2-40B4-BE49-F238E27FC236}">
+                <a16:creationId xmlns:a16="http://schemas.microsoft.com/office/drawing/2014/main" id="{FD8F1113-2E3C-46E3-B54F-B7F421EEFD11}"/>
+              </a:ext>
+              <a:ext uri="{C183D7F6-B498-43B3-948B-1728B52AA6E4}">
+                <adec:decorative xmlns:adec="http://schemas.microsoft.com/office/drawing/2017/decorative" val="1"/>
+              </a:ext>
+            </a:extLst>
+          </p:cNvPr>
+          <p:cNvSpPr>
+            <a:spLocks noGrp="1" noRot="1" noChangeAspect="1" noMove="1" noResize="1" noEditPoints="1" noAdjustHandles="1" noChangeArrowheads="1" noChangeShapeType="1" noTextEdit="1"/>
+          </p:cNvSpPr>
+          <p:nvPr>
+            <p:extLst>
+              <p:ext uri="{386F3935-93C4-4BCD-93E2-E3B085C9AB24}">
+                <p16:designElem xmlns:p16="http://schemas.microsoft.com/office/powerpoint/2015/main" val="1"/>
+              </p:ext>
+            </p:extLst>
+          </p:nvPr>
+        </p:nvSpPr>
+        <p:spPr>
+          <a:xfrm>
+            <a:off x="0" y="0"/>
+            <a:ext cx="12191695" cy="6858000"/>
+          </a:xfrm>
+          <a:prstGeom prst="rect">
+            <a:avLst/>
+          </a:prstGeom>
+          <a:ln>
+            <a:noFill/>
+          </a:ln>
+        </p:spPr>
+        <p:style>
+          <a:lnRef idx="2">
+            <a:schemeClr val="accent1">
+              <a:shade val="50000"/>
+            </a:schemeClr>
+          </a:lnRef>
+          <a:fillRef idx="1">
+            <a:schemeClr val="accent1"/>
+          </a:fillRef>
+          <a:effectRef idx="0">
+            <a:schemeClr val="accent1"/>
+          </a:effectRef>
+          <a:fontRef idx="minor">
+            <a:schemeClr val="lt1"/>
+          </a:fontRef>
+        </p:style>
+        <p:txBody>
+          <a:bodyPr rtlCol="0" anchor="ctr"/>
+          <a:lstStyle/>
+          <a:p>
+            <a:pPr algn="ctr"/>
+            <a:endParaRPr lang="en-US"/>
+          </a:p>
+        </p:txBody>
+      </p:sp>
+      <p:sp>
+        <p:nvSpPr>
+          <p:cNvPr id="38" name="Freeform 5">
+            <a:extLst>
+              <a:ext uri="{FF2B5EF4-FFF2-40B4-BE49-F238E27FC236}">
+                <a16:creationId xmlns:a16="http://schemas.microsoft.com/office/drawing/2014/main" id="{B54A4D14-513F-4121-92D3-5CCB46896211}"/>
+              </a:ext>
+              <a:ext uri="{C183D7F6-B498-43B3-948B-1728B52AA6E4}">
+                <adec:decorative xmlns:adec="http://schemas.microsoft.com/office/drawing/2017/decorative" val="1"/>
+              </a:ext>
+            </a:extLst>
+          </p:cNvPr>
+          <p:cNvSpPr>
+            <a:spLocks noGrp="1" noRot="1" noChangeAspect="1" noMove="1" noResize="1" noEditPoints="1" noAdjustHandles="1" noChangeArrowheads="1" noChangeShapeType="1" noTextEdit="1"/>
+          </p:cNvSpPr>
+          <p:nvPr>
+            <p:extLst>
+              <p:ext uri="{386F3935-93C4-4BCD-93E2-E3B085C9AB24}">
+                <p16:designElem xmlns:p16="http://schemas.microsoft.com/office/powerpoint/2015/main" val="1"/>
+              </p:ext>
+            </p:extLst>
+          </p:nvPr>
+        </p:nvSpPr>
+        <p:spPr bwMode="auto">
+          <a:xfrm>
+            <a:off x="-329674" y="1290909"/>
+            <a:ext cx="9702800" cy="5573512"/>
+          </a:xfrm>
+          <a:custGeom>
+            <a:avLst/>
+            <a:gdLst>
+              <a:gd name="T0" fmla="*/ 1752 w 2038"/>
+              <a:gd name="T1" fmla="*/ 1169 h 1169"/>
+              <a:gd name="T2" fmla="*/ 1487 w 2038"/>
+              <a:gd name="T3" fmla="*/ 334 h 1169"/>
+              <a:gd name="T4" fmla="*/ 860 w 2038"/>
+              <a:gd name="T5" fmla="*/ 22 h 1169"/>
+              <a:gd name="T6" fmla="*/ 199 w 2038"/>
+              <a:gd name="T7" fmla="*/ 318 h 1169"/>
+              <a:gd name="T8" fmla="*/ 399 w 2038"/>
+              <a:gd name="T9" fmla="*/ 1165 h 1169"/>
+            </a:gdLst>
+            <a:ahLst/>
+            <a:cxnLst>
+              <a:cxn ang="0">
+                <a:pos x="T0" y="T1"/>
+              </a:cxn>
+              <a:cxn ang="0">
+                <a:pos x="T2" y="T3"/>
+              </a:cxn>
+              <a:cxn ang="0">
+                <a:pos x="T4" y="T5"/>
+              </a:cxn>
+              <a:cxn ang="0">
+                <a:pos x="T6" y="T7"/>
+              </a:cxn>
+              <a:cxn ang="0">
+                <a:pos x="T8" y="T9"/>
+              </a:cxn>
+            </a:cxnLst>
+            <a:rect l="0" t="0" r="r" b="b"/>
+            <a:pathLst>
+              <a:path w="2038" h="1169">
+                <a:moveTo>
+                  <a:pt x="1752" y="1169"/>
+                </a:moveTo>
+                <a:cubicBezTo>
+                  <a:pt x="2038" y="928"/>
+                  <a:pt x="1673" y="513"/>
+                  <a:pt x="1487" y="334"/>
+                </a:cubicBezTo>
+                <a:cubicBezTo>
+                  <a:pt x="1316" y="170"/>
+                  <a:pt x="1099" y="43"/>
+                  <a:pt x="860" y="22"/>
+                </a:cubicBezTo>
+                <a:cubicBezTo>
+                  <a:pt x="621" y="0"/>
+                  <a:pt x="341" y="128"/>
+                  <a:pt x="199" y="318"/>
+                </a:cubicBezTo>
+                <a:cubicBezTo>
+                  <a:pt x="0" y="586"/>
+                  <a:pt x="184" y="965"/>
+                  <a:pt x="399" y="1165"/>
+                </a:cubicBezTo>
+              </a:path>
+            </a:pathLst>
+          </a:custGeom>
+          <a:noFill/>
+          <a:ln w="9525" cap="flat">
+            <a:solidFill>
+              <a:schemeClr val="tx1">
+                <a:alpha val="20000"/>
+              </a:schemeClr>
+            </a:solidFill>
+            <a:prstDash val="solid"/>
+            <a:miter lim="800000"/>
+            <a:headEnd/>
+            <a:tailEnd/>
+          </a:ln>
+          <a:extLst>
+            <a:ext uri="{909E8E84-426E-40DD-AFC4-6F175D3DCCD1}">
+              <a14:hiddenFill xmlns:a14="http://schemas.microsoft.com/office/drawing/2010/main">
+                <a:solidFill>
+                  <a:srgbClr val="FFFFFF"/>
+                </a:solidFill>
+              </a14:hiddenFill>
+            </a:ext>
+          </a:extLst>
+        </p:spPr>
+        <p:txBody>
+          <a:bodyPr vert="horz" wrap="square" lIns="91440" tIns="45720" rIns="91440" bIns="45720" numCol="1" anchor="t" anchorCtr="0" compatLnSpc="1">
+            <a:prstTxWarp prst="textNoShape">
+              <a:avLst/>
+            </a:prstTxWarp>
+          </a:bodyPr>
+          <a:lstStyle/>
+          <a:p>
+            <a:endParaRPr lang="en-US"/>
+          </a:p>
+        </p:txBody>
+      </p:sp>
+      <p:sp>
+        <p:nvSpPr>
+          <p:cNvPr id="40" name="Freeform 6">
+            <a:extLst>
+              <a:ext uri="{FF2B5EF4-FFF2-40B4-BE49-F238E27FC236}">
+                <a16:creationId xmlns:a16="http://schemas.microsoft.com/office/drawing/2014/main" id="{6C3411F1-AD17-499D-AFEF-2F300F6DF0F3}"/>
+              </a:ext>
+              <a:ext uri="{C183D7F6-B498-43B3-948B-1728B52AA6E4}">
+                <adec:decorative xmlns:adec="http://schemas.microsoft.com/office/drawing/2017/decorative" val="1"/>
+              </a:ext>
+            </a:extLst>
+          </p:cNvPr>
+          <p:cNvSpPr>
+            <a:spLocks noGrp="1" noRot="1" noChangeAspect="1" noMove="1" noResize="1" noEditPoints="1" noAdjustHandles="1" noChangeArrowheads="1" noChangeShapeType="1" noTextEdit="1"/>
+          </p:cNvSpPr>
+          <p:nvPr>
+            <p:extLst>
+              <p:ext uri="{386F3935-93C4-4BCD-93E2-E3B085C9AB24}">
+                <p16:designElem xmlns:p16="http://schemas.microsoft.com/office/powerpoint/2015/main" val="1"/>
+              </p:ext>
+            </p:extLst>
+          </p:nvPr>
+        </p:nvSpPr>
+        <p:spPr bwMode="auto">
+          <a:xfrm>
+            <a:off x="670451" y="2010741"/>
+            <a:ext cx="7373938" cy="4848892"/>
+          </a:xfrm>
+          <a:custGeom>
+            <a:avLst/>
+            <a:gdLst>
+              <a:gd name="T0" fmla="*/ 1025 w 1549"/>
+              <a:gd name="T1" fmla="*/ 1016 h 1017"/>
+              <a:gd name="T2" fmla="*/ 1443 w 1549"/>
+              <a:gd name="T3" fmla="*/ 592 h 1017"/>
+              <a:gd name="T4" fmla="*/ 782 w 1549"/>
+              <a:gd name="T5" fmla="*/ 53 h 1017"/>
+              <a:gd name="T6" fmla="*/ 150 w 1549"/>
+              <a:gd name="T7" fmla="*/ 329 h 1017"/>
+              <a:gd name="T8" fmla="*/ 477 w 1549"/>
+              <a:gd name="T9" fmla="*/ 1017 h 1017"/>
+            </a:gdLst>
+            <a:ahLst/>
+            <a:cxnLst>
+              <a:cxn ang="0">
+                <a:pos x="T0" y="T1"/>
+              </a:cxn>
+              <a:cxn ang="0">
+                <a:pos x="T2" y="T3"/>
+              </a:cxn>
+              <a:cxn ang="0">
+                <a:pos x="T4" y="T5"/>
+              </a:cxn>
+              <a:cxn ang="0">
+                <a:pos x="T6" y="T7"/>
+              </a:cxn>
+              <a:cxn ang="0">
+                <a:pos x="T8" y="T9"/>
+              </a:cxn>
+            </a:cxnLst>
+            <a:rect l="0" t="0" r="r" b="b"/>
+            <a:pathLst>
+              <a:path w="1549" h="1017">
+                <a:moveTo>
+                  <a:pt x="1025" y="1016"/>
+                </a:moveTo>
+                <a:cubicBezTo>
+                  <a:pt x="1223" y="971"/>
+                  <a:pt x="1549" y="857"/>
+                  <a:pt x="1443" y="592"/>
+                </a:cubicBezTo>
+                <a:cubicBezTo>
+                  <a:pt x="1344" y="344"/>
+                  <a:pt x="1041" y="111"/>
+                  <a:pt x="782" y="53"/>
+                </a:cubicBezTo>
+                <a:cubicBezTo>
+                  <a:pt x="545" y="0"/>
+                  <a:pt x="275" y="117"/>
+                  <a:pt x="150" y="329"/>
+                </a:cubicBezTo>
+                <a:cubicBezTo>
+                  <a:pt x="0" y="584"/>
+                  <a:pt x="243" y="911"/>
+                  <a:pt x="477" y="1017"/>
+                </a:cubicBezTo>
+              </a:path>
+            </a:pathLst>
+          </a:custGeom>
+          <a:noFill/>
+          <a:ln w="9525" cap="flat">
+            <a:solidFill>
+              <a:schemeClr val="tx1">
+                <a:alpha val="20000"/>
+              </a:schemeClr>
+            </a:solidFill>
+            <a:prstDash val="solid"/>
+            <a:miter lim="800000"/>
+            <a:headEnd/>
+            <a:tailEnd/>
+          </a:ln>
+          <a:extLst>
+            <a:ext uri="{909E8E84-426E-40DD-AFC4-6F175D3DCCD1}">
+              <a14:hiddenFill xmlns:a14="http://schemas.microsoft.com/office/drawing/2010/main">
+                <a:solidFill>
+                  <a:srgbClr val="FFFFFF"/>
+                </a:solidFill>
+              </a14:hiddenFill>
+            </a:ext>
+          </a:extLst>
+        </p:spPr>
+        <p:txBody>
+          <a:bodyPr vert="horz" wrap="square" lIns="91440" tIns="45720" rIns="91440" bIns="45720" numCol="1" anchor="t" anchorCtr="0" compatLnSpc="1">
+            <a:prstTxWarp prst="textNoShape">
+              <a:avLst/>
+            </a:prstTxWarp>
+          </a:bodyPr>
+          <a:lstStyle/>
+          <a:p>
+            <a:endParaRPr lang="en-US"/>
+          </a:p>
+        </p:txBody>
+      </p:sp>
+      <p:sp>
+        <p:nvSpPr>
+          <p:cNvPr id="42" name="Freeform 7">
+            <a:extLst>
+              <a:ext uri="{FF2B5EF4-FFF2-40B4-BE49-F238E27FC236}">
+                <a16:creationId xmlns:a16="http://schemas.microsoft.com/office/drawing/2014/main" id="{60BF2CBE-B1E9-4C42-89DC-C35E4E651648}"/>
+              </a:ext>
+              <a:ext uri="{C183D7F6-B498-43B3-948B-1728B52AA6E4}">
+                <adec:decorative xmlns:adec="http://schemas.microsoft.com/office/drawing/2017/decorative" val="1"/>
+              </a:ext>
+            </a:extLst>
+          </p:cNvPr>
+          <p:cNvSpPr>
+            <a:spLocks noGrp="1" noRot="1" noChangeAspect="1" noMove="1" noResize="1" noEditPoints="1" noAdjustHandles="1" noChangeArrowheads="1" noChangeShapeType="1" noTextEdit="1"/>
+          </p:cNvSpPr>
+          <p:nvPr>
+            <p:extLst>
+              <p:ext uri="{386F3935-93C4-4BCD-93E2-E3B085C9AB24}">
+                <p16:designElem xmlns:p16="http://schemas.microsoft.com/office/powerpoint/2015/main" val="1"/>
+              </p:ext>
+            </p:extLst>
+          </p:nvPr>
+        </p:nvSpPr>
+        <p:spPr bwMode="auto">
+          <a:xfrm>
+            <a:off x="251351" y="1780905"/>
+            <a:ext cx="8035925" cy="5083516"/>
+          </a:xfrm>
+          <a:custGeom>
+            <a:avLst/>
+            <a:gdLst>
+              <a:gd name="T0" fmla="*/ 1302 w 1688"/>
+              <a:gd name="T1" fmla="*/ 1066 h 1066"/>
+              <a:gd name="T2" fmla="*/ 1613 w 1688"/>
+              <a:gd name="T3" fmla="*/ 850 h 1066"/>
+              <a:gd name="T4" fmla="*/ 1517 w 1688"/>
+              <a:gd name="T5" fmla="*/ 471 h 1066"/>
+              <a:gd name="T6" fmla="*/ 798 w 1688"/>
+              <a:gd name="T7" fmla="*/ 28 h 1066"/>
+              <a:gd name="T8" fmla="*/ 181 w 1688"/>
+              <a:gd name="T9" fmla="*/ 333 h 1066"/>
+              <a:gd name="T10" fmla="*/ 420 w 1688"/>
+              <a:gd name="T11" fmla="*/ 1066 h 1066"/>
+            </a:gdLst>
+            <a:ahLst/>
+            <a:cxnLst>
+              <a:cxn ang="0">
+                <a:pos x="T0" y="T1"/>
+              </a:cxn>
+              <a:cxn ang="0">
+                <a:pos x="T2" y="T3"/>
+              </a:cxn>
+              <a:cxn ang="0">
+                <a:pos x="T4" y="T5"/>
+              </a:cxn>
+              <a:cxn ang="0">
+                <a:pos x="T6" y="T7"/>
+              </a:cxn>
+              <a:cxn ang="0">
+                <a:pos x="T8" y="T9"/>
+              </a:cxn>
+              <a:cxn ang="0">
+                <a:pos x="T10" y="T11"/>
+              </a:cxn>
+            </a:cxnLst>
+            <a:rect l="0" t="0" r="r" b="b"/>
+            <a:pathLst>
+              <a:path w="1688" h="1066">
+                <a:moveTo>
+                  <a:pt x="1302" y="1066"/>
+                </a:moveTo>
+                <a:cubicBezTo>
+                  <a:pt x="1416" y="1024"/>
+                  <a:pt x="1551" y="962"/>
+                  <a:pt x="1613" y="850"/>
+                </a:cubicBezTo>
+                <a:cubicBezTo>
+                  <a:pt x="1688" y="715"/>
+                  <a:pt x="1606" y="575"/>
+                  <a:pt x="1517" y="471"/>
+                </a:cubicBezTo>
+                <a:cubicBezTo>
+                  <a:pt x="1336" y="258"/>
+                  <a:pt x="1084" y="62"/>
+                  <a:pt x="798" y="28"/>
+                </a:cubicBezTo>
+                <a:cubicBezTo>
+                  <a:pt x="559" y="0"/>
+                  <a:pt x="317" y="138"/>
+                  <a:pt x="181" y="333"/>
+                </a:cubicBezTo>
+                <a:cubicBezTo>
+                  <a:pt x="0" y="592"/>
+                  <a:pt x="191" y="907"/>
+                  <a:pt x="420" y="1066"/>
+                </a:cubicBezTo>
+              </a:path>
+            </a:pathLst>
+          </a:custGeom>
+          <a:noFill/>
+          <a:ln w="9525" cap="flat">
+            <a:solidFill>
+              <a:schemeClr val="tx1">
+                <a:alpha val="20000"/>
+              </a:schemeClr>
+            </a:solidFill>
+            <a:prstDash val="dash"/>
+            <a:miter lim="800000"/>
+            <a:headEnd/>
+            <a:tailEnd/>
+          </a:ln>
+          <a:extLst>
+            <a:ext uri="{909E8E84-426E-40DD-AFC4-6F175D3DCCD1}">
+              <a14:hiddenFill xmlns:a14="http://schemas.microsoft.com/office/drawing/2010/main">
+                <a:solidFill>
+                  <a:srgbClr val="FFFFFF"/>
+                </a:solidFill>
+              </a14:hiddenFill>
+            </a:ext>
+          </a:extLst>
+        </p:spPr>
+        <p:txBody>
+          <a:bodyPr vert="horz" wrap="square" lIns="91440" tIns="45720" rIns="91440" bIns="45720" numCol="1" anchor="t" anchorCtr="0" compatLnSpc="1">
+            <a:prstTxWarp prst="textNoShape">
+              <a:avLst/>
+            </a:prstTxWarp>
+          </a:bodyPr>
+          <a:lstStyle/>
+          <a:p>
+            <a:endParaRPr lang="en-US"/>
+          </a:p>
+        </p:txBody>
+      </p:sp>
+      <p:sp>
+        <p:nvSpPr>
+          <p:cNvPr id="44" name="Freeform 8">
+            <a:extLst>
+              <a:ext uri="{FF2B5EF4-FFF2-40B4-BE49-F238E27FC236}">
+                <a16:creationId xmlns:a16="http://schemas.microsoft.com/office/drawing/2014/main" id="{72C95A87-DCDB-41C4-B774-744B3ECBE8CB}"/>
+              </a:ext>
+              <a:ext uri="{C183D7F6-B498-43B3-948B-1728B52AA6E4}">
+                <adec:decorative xmlns:adec="http://schemas.microsoft.com/office/drawing/2017/decorative" val="1"/>
+              </a:ext>
+            </a:extLst>
+          </p:cNvPr>
+          <p:cNvSpPr>
+            <a:spLocks noGrp="1" noRot="1" noChangeAspect="1" noMove="1" noResize="1" noEditPoints="1" noAdjustHandles="1" noChangeArrowheads="1" noChangeShapeType="1" noTextEdit="1"/>
+          </p:cNvSpPr>
+          <p:nvPr>
+            <p:extLst>
+              <p:ext uri="{386F3935-93C4-4BCD-93E2-E3B085C9AB24}">
+                <p16:designElem xmlns:p16="http://schemas.microsoft.com/office/powerpoint/2015/main" val="1"/>
+              </p:ext>
+            </p:extLst>
+          </p:nvPr>
+        </p:nvSpPr>
+        <p:spPr bwMode="auto">
+          <a:xfrm>
+            <a:off x="-1061" y="542347"/>
+            <a:ext cx="10334625" cy="6322075"/>
+          </a:xfrm>
+          <a:custGeom>
+            <a:avLst/>
+            <a:gdLst>
+              <a:gd name="T0" fmla="*/ 1873 w 2171"/>
+              <a:gd name="T1" fmla="*/ 1326 h 1326"/>
+              <a:gd name="T2" fmla="*/ 1609 w 2171"/>
+              <a:gd name="T3" fmla="*/ 473 h 1326"/>
+              <a:gd name="T4" fmla="*/ 880 w 2171"/>
+              <a:gd name="T5" fmla="*/ 63 h 1326"/>
+              <a:gd name="T6" fmla="*/ 0 w 2171"/>
+              <a:gd name="T7" fmla="*/ 423 h 1326"/>
+            </a:gdLst>
+            <a:ahLst/>
+            <a:cxnLst>
+              <a:cxn ang="0">
+                <a:pos x="T0" y="T1"/>
+              </a:cxn>
+              <a:cxn ang="0">
+                <a:pos x="T2" y="T3"/>
+              </a:cxn>
+              <a:cxn ang="0">
+                <a:pos x="T4" y="T5"/>
+              </a:cxn>
+              <a:cxn ang="0">
+                <a:pos x="T6" y="T7"/>
+              </a:cxn>
+            </a:cxnLst>
+            <a:rect l="0" t="0" r="r" b="b"/>
+            <a:pathLst>
+              <a:path w="2171" h="1326">
+                <a:moveTo>
+                  <a:pt x="1873" y="1326"/>
+                </a:moveTo>
+                <a:cubicBezTo>
+                  <a:pt x="2171" y="1045"/>
+                  <a:pt x="1825" y="678"/>
+                  <a:pt x="1609" y="473"/>
+                </a:cubicBezTo>
+                <a:cubicBezTo>
+                  <a:pt x="1406" y="281"/>
+                  <a:pt x="1159" y="116"/>
+                  <a:pt x="880" y="63"/>
+                </a:cubicBezTo>
+                <a:cubicBezTo>
+                  <a:pt x="545" y="0"/>
+                  <a:pt x="214" y="161"/>
+                  <a:pt x="0" y="423"/>
+                </a:cubicBezTo>
+              </a:path>
+            </a:pathLst>
+          </a:custGeom>
+          <a:noFill/>
+          <a:ln w="9525" cap="flat">
+            <a:solidFill>
+              <a:schemeClr val="tx1">
+                <a:alpha val="20000"/>
+              </a:schemeClr>
+            </a:solidFill>
+            <a:prstDash val="solid"/>
+            <a:miter lim="800000"/>
+            <a:headEnd/>
+            <a:tailEnd/>
+          </a:ln>
+          <a:extLst>
+            <a:ext uri="{909E8E84-426E-40DD-AFC4-6F175D3DCCD1}">
+              <a14:hiddenFill xmlns:a14="http://schemas.microsoft.com/office/drawing/2010/main">
+                <a:solidFill>
+                  <a:srgbClr val="FFFFFF"/>
+                </a:solidFill>
+              </a14:hiddenFill>
+            </a:ext>
+          </a:extLst>
+        </p:spPr>
+        <p:txBody>
+          <a:bodyPr vert="horz" wrap="square" lIns="91440" tIns="45720" rIns="91440" bIns="45720" numCol="1" anchor="t" anchorCtr="0" compatLnSpc="1">
+            <a:prstTxWarp prst="textNoShape">
+              <a:avLst/>
+            </a:prstTxWarp>
+          </a:bodyPr>
+          <a:lstStyle/>
+          <a:p>
+            <a:endParaRPr lang="en-US"/>
+          </a:p>
+        </p:txBody>
+      </p:sp>
+      <p:sp>
+        <p:nvSpPr>
+          <p:cNvPr id="46" name="Freeform 9">
+            <a:extLst>
+              <a:ext uri="{FF2B5EF4-FFF2-40B4-BE49-F238E27FC236}">
+                <a16:creationId xmlns:a16="http://schemas.microsoft.com/office/drawing/2014/main" id="{BCB97515-32FF-43A6-A51C-B140193ABB66}"/>
+              </a:ext>
+              <a:ext uri="{C183D7F6-B498-43B3-948B-1728B52AA6E4}">
+                <adec:decorative xmlns:adec="http://schemas.microsoft.com/office/drawing/2017/decorative" val="1"/>
+              </a:ext>
+            </a:extLst>
+          </p:cNvPr>
+          <p:cNvSpPr>
+            <a:spLocks noGrp="1" noRot="1" noChangeAspect="1" noMove="1" noResize="1" noEditPoints="1" noAdjustHandles="1" noChangeArrowheads="1" noChangeShapeType="1" noTextEdit="1"/>
+          </p:cNvSpPr>
+          <p:nvPr>
+            <p:extLst>
+              <p:ext uri="{386F3935-93C4-4BCD-93E2-E3B085C9AB24}">
+                <p16:designElem xmlns:p16="http://schemas.microsoft.com/office/powerpoint/2015/main" val="1"/>
+              </p:ext>
+            </p:extLst>
+          </p:nvPr>
+        </p:nvSpPr>
+        <p:spPr bwMode="auto">
+          <a:xfrm>
+            <a:off x="3701" y="6178751"/>
+            <a:ext cx="504825" cy="681527"/>
+          </a:xfrm>
+          <a:custGeom>
+            <a:avLst/>
+            <a:gdLst>
+              <a:gd name="T0" fmla="*/ 0 w 106"/>
+              <a:gd name="T1" fmla="*/ 0 h 143"/>
+              <a:gd name="T2" fmla="*/ 106 w 106"/>
+              <a:gd name="T3" fmla="*/ 143 h 143"/>
+            </a:gdLst>
+            <a:ahLst/>
+            <a:cxnLst>
+              <a:cxn ang="0">
+                <a:pos x="T0" y="T1"/>
+              </a:cxn>
+              <a:cxn ang="0">
+                <a:pos x="T2" y="T3"/>
+              </a:cxn>
+            </a:cxnLst>
+            <a:rect l="0" t="0" r="r" b="b"/>
+            <a:pathLst>
+              <a:path w="106" h="143">
+                <a:moveTo>
+                  <a:pt x="0" y="0"/>
+                </a:moveTo>
+                <a:cubicBezTo>
+                  <a:pt x="35" y="54"/>
+                  <a:pt x="70" y="101"/>
+                  <a:pt x="106" y="143"/>
+                </a:cubicBezTo>
+              </a:path>
+            </a:pathLst>
+          </a:custGeom>
+          <a:noFill/>
+          <a:ln w="4763" cap="flat">
+            <a:solidFill>
+              <a:schemeClr val="tx1">
+                <a:alpha val="20000"/>
+              </a:schemeClr>
+            </a:solidFill>
+            <a:prstDash val="solid"/>
+            <a:miter lim="800000"/>
+            <a:headEnd/>
+            <a:tailEnd/>
+          </a:ln>
+          <a:extLst>
+            <a:ext uri="{909E8E84-426E-40DD-AFC4-6F175D3DCCD1}">
+              <a14:hiddenFill xmlns:a14="http://schemas.microsoft.com/office/drawing/2010/main">
+                <a:solidFill>
+                  <a:srgbClr val="FFFFFF"/>
+                </a:solidFill>
+              </a14:hiddenFill>
+            </a:ext>
+          </a:extLst>
+        </p:spPr>
+        <p:txBody>
+          <a:bodyPr vert="horz" wrap="square" lIns="91440" tIns="45720" rIns="91440" bIns="45720" numCol="1" anchor="t" anchorCtr="0" compatLnSpc="1">
+            <a:prstTxWarp prst="textNoShape">
+              <a:avLst/>
+            </a:prstTxWarp>
+          </a:bodyPr>
+          <a:lstStyle/>
+          <a:p>
+            <a:endParaRPr lang="en-US"/>
+          </a:p>
+        </p:txBody>
+      </p:sp>
+      <p:sp>
+        <p:nvSpPr>
+          <p:cNvPr id="48" name="Freeform 10">
+            <a:extLst>
+              <a:ext uri="{FF2B5EF4-FFF2-40B4-BE49-F238E27FC236}">
+                <a16:creationId xmlns:a16="http://schemas.microsoft.com/office/drawing/2014/main" id="{9C6379D3-7045-4B76-9409-6D23D753D054}"/>
+              </a:ext>
+              <a:ext uri="{C183D7F6-B498-43B3-948B-1728B52AA6E4}">
+                <adec:decorative xmlns:adec="http://schemas.microsoft.com/office/drawing/2017/decorative" val="1"/>
+              </a:ext>
+            </a:extLst>
+          </p:cNvPr>
+          <p:cNvSpPr>
+            <a:spLocks noGrp="1" noRot="1" noChangeAspect="1" noMove="1" noResize="1" noEditPoints="1" noAdjustHandles="1" noChangeArrowheads="1" noChangeShapeType="1" noTextEdit="1"/>
+          </p:cNvSpPr>
+          <p:nvPr>
+            <p:extLst>
+              <p:ext uri="{386F3935-93C4-4BCD-93E2-E3B085C9AB24}">
+                <p16:designElem xmlns:p16="http://schemas.microsoft.com/office/powerpoint/2015/main" val="1"/>
+              </p:ext>
+            </p:extLst>
+          </p:nvPr>
+        </p:nvSpPr>
+        <p:spPr bwMode="auto">
+          <a:xfrm>
+            <a:off x="-1061" y="-59376"/>
+            <a:ext cx="11091863" cy="6923796"/>
+          </a:xfrm>
+          <a:custGeom>
+            <a:avLst/>
+            <a:gdLst>
+              <a:gd name="T0" fmla="*/ 2046 w 2330"/>
+              <a:gd name="T1" fmla="*/ 1452 h 1452"/>
+              <a:gd name="T2" fmla="*/ 1813 w 2330"/>
+              <a:gd name="T3" fmla="*/ 601 h 1452"/>
+              <a:gd name="T4" fmla="*/ 956 w 2330"/>
+              <a:gd name="T5" fmla="*/ 97 h 1452"/>
+              <a:gd name="T6" fmla="*/ 0 w 2330"/>
+              <a:gd name="T7" fmla="*/ 366 h 1452"/>
+            </a:gdLst>
+            <a:ahLst/>
+            <a:cxnLst>
+              <a:cxn ang="0">
+                <a:pos x="T0" y="T1"/>
+              </a:cxn>
+              <a:cxn ang="0">
+                <a:pos x="T2" y="T3"/>
+              </a:cxn>
+              <a:cxn ang="0">
+                <a:pos x="T4" y="T5"/>
+              </a:cxn>
+              <a:cxn ang="0">
+                <a:pos x="T6" y="T7"/>
+              </a:cxn>
+            </a:cxnLst>
+            <a:rect l="0" t="0" r="r" b="b"/>
+            <a:pathLst>
+              <a:path w="2330" h="1452">
+                <a:moveTo>
+                  <a:pt x="2046" y="1452"/>
+                </a:moveTo>
+                <a:cubicBezTo>
+                  <a:pt x="2330" y="1153"/>
+                  <a:pt x="2049" y="821"/>
+                  <a:pt x="1813" y="601"/>
+                </a:cubicBezTo>
+                <a:cubicBezTo>
+                  <a:pt x="1569" y="375"/>
+                  <a:pt x="1282" y="179"/>
+                  <a:pt x="956" y="97"/>
+                </a:cubicBezTo>
+                <a:cubicBezTo>
+                  <a:pt x="572" y="0"/>
+                  <a:pt x="292" y="101"/>
+                  <a:pt x="0" y="366"/>
+                </a:cubicBezTo>
+              </a:path>
+            </a:pathLst>
+          </a:custGeom>
+          <a:noFill/>
+          <a:ln w="9525" cap="flat">
+            <a:solidFill>
+              <a:schemeClr val="tx1">
+                <a:alpha val="20000"/>
+              </a:schemeClr>
+            </a:solidFill>
+            <a:prstDash val="solid"/>
+            <a:miter lim="800000"/>
+            <a:headEnd/>
+            <a:tailEnd/>
+          </a:ln>
+          <a:extLst>
+            <a:ext uri="{909E8E84-426E-40DD-AFC4-6F175D3DCCD1}">
+              <a14:hiddenFill xmlns:a14="http://schemas.microsoft.com/office/drawing/2010/main">
+                <a:solidFill>
+                  <a:srgbClr val="FFFFFF"/>
+                </a:solidFill>
+              </a14:hiddenFill>
+            </a:ext>
+          </a:extLst>
+        </p:spPr>
+        <p:txBody>
+          <a:bodyPr vert="horz" wrap="square" lIns="91440" tIns="45720" rIns="91440" bIns="45720" numCol="1" anchor="t" anchorCtr="0" compatLnSpc="1">
+            <a:prstTxWarp prst="textNoShape">
+              <a:avLst/>
+            </a:prstTxWarp>
+          </a:bodyPr>
+          <a:lstStyle/>
+          <a:p>
+            <a:endParaRPr lang="en-US"/>
+          </a:p>
+        </p:txBody>
+      </p:sp>
+      <p:sp>
+        <p:nvSpPr>
+          <p:cNvPr id="50" name="Freeform 12">
+            <a:extLst>
+              <a:ext uri="{FF2B5EF4-FFF2-40B4-BE49-F238E27FC236}">
+                <a16:creationId xmlns:a16="http://schemas.microsoft.com/office/drawing/2014/main" id="{61B1C1DE-4201-4989-BE65-41ADC2472550}"/>
+              </a:ext>
+              <a:ext uri="{C183D7F6-B498-43B3-948B-1728B52AA6E4}">
+                <adec:decorative xmlns:adec="http://schemas.microsoft.com/office/drawing/2017/decorative" val="1"/>
+              </a:ext>
+            </a:extLst>
+          </p:cNvPr>
+          <p:cNvSpPr>
+            <a:spLocks noGrp="1" noRot="1" noChangeAspect="1" noMove="1" noResize="1" noEditPoints="1" noAdjustHandles="1" noChangeArrowheads="1" noChangeShapeType="1" noTextEdit="1"/>
+          </p:cNvSpPr>
+          <p:nvPr>
+            <p:extLst>
+              <p:ext uri="{386F3935-93C4-4BCD-93E2-E3B085C9AB24}">
+                <p16:designElem xmlns:p16="http://schemas.microsoft.com/office/powerpoint/2015/main" val="1"/>
+              </p:ext>
+            </p:extLst>
+          </p:nvPr>
+        </p:nvSpPr>
+        <p:spPr bwMode="auto">
+          <a:xfrm>
+            <a:off x="-1061" y="-1916"/>
+            <a:ext cx="1057275" cy="614491"/>
+          </a:xfrm>
+          <a:custGeom>
+            <a:avLst/>
+            <a:gdLst>
+              <a:gd name="T0" fmla="*/ 222 w 222"/>
+              <a:gd name="T1" fmla="*/ 0 h 129"/>
+              <a:gd name="T2" fmla="*/ 0 w 222"/>
+              <a:gd name="T3" fmla="*/ 129 h 129"/>
+            </a:gdLst>
+            <a:ahLst/>
+            <a:cxnLst>
+              <a:cxn ang="0">
+                <a:pos x="T0" y="T1"/>
+              </a:cxn>
+              <a:cxn ang="0">
+                <a:pos x="T2" y="T3"/>
+              </a:cxn>
+            </a:cxnLst>
+            <a:rect l="0" t="0" r="r" b="b"/>
+            <a:pathLst>
+              <a:path w="222" h="129">
+                <a:moveTo>
+                  <a:pt x="222" y="0"/>
+                </a:moveTo>
+                <a:cubicBezTo>
+                  <a:pt x="152" y="35"/>
+                  <a:pt x="76" y="78"/>
+                  <a:pt x="0" y="129"/>
+                </a:cubicBezTo>
+              </a:path>
+            </a:pathLst>
+          </a:custGeom>
+          <a:noFill/>
+          <a:ln w="9525" cap="flat">
+            <a:solidFill>
+              <a:schemeClr val="tx1">
+                <a:alpha val="20000"/>
+              </a:schemeClr>
+            </a:solidFill>
+            <a:prstDash val="solid"/>
+            <a:miter lim="800000"/>
+            <a:headEnd/>
+            <a:tailEnd/>
+          </a:ln>
+          <a:extLst>
+            <a:ext uri="{909E8E84-426E-40DD-AFC4-6F175D3DCCD1}">
+              <a14:hiddenFill xmlns:a14="http://schemas.microsoft.com/office/drawing/2010/main">
+                <a:solidFill>
+                  <a:srgbClr val="FFFFFF"/>
+                </a:solidFill>
+              </a14:hiddenFill>
+            </a:ext>
+          </a:extLst>
+        </p:spPr>
+        <p:txBody>
+          <a:bodyPr vert="horz" wrap="square" lIns="91440" tIns="45720" rIns="91440" bIns="45720" numCol="1" anchor="t" anchorCtr="0" compatLnSpc="1">
+            <a:prstTxWarp prst="textNoShape">
+              <a:avLst/>
+            </a:prstTxWarp>
+          </a:bodyPr>
+          <a:lstStyle/>
+          <a:p>
+            <a:endParaRPr lang="en-US"/>
+          </a:p>
+        </p:txBody>
+      </p:sp>
+      <p:sp>
+        <p:nvSpPr>
+          <p:cNvPr id="52" name="Freeform 14">
+            <a:extLst>
+              <a:ext uri="{FF2B5EF4-FFF2-40B4-BE49-F238E27FC236}">
+                <a16:creationId xmlns:a16="http://schemas.microsoft.com/office/drawing/2014/main" id="{806398CC-D327-4E06-838C-31119BD56F81}"/>
+              </a:ext>
+              <a:ext uri="{C183D7F6-B498-43B3-948B-1728B52AA6E4}">
+                <adec:decorative xmlns:adec="http://schemas.microsoft.com/office/drawing/2017/decorative" val="1"/>
+              </a:ext>
+            </a:extLst>
+          </p:cNvPr>
+          <p:cNvSpPr>
+            <a:spLocks noGrp="1" noRot="1" noChangeAspect="1" noMove="1" noResize="1" noEditPoints="1" noAdjustHandles="1" noChangeArrowheads="1" noChangeShapeType="1" noTextEdit="1"/>
+          </p:cNvSpPr>
+          <p:nvPr>
+            <p:extLst>
+              <p:ext uri="{386F3935-93C4-4BCD-93E2-E3B085C9AB24}">
+                <p16:designElem xmlns:p16="http://schemas.microsoft.com/office/powerpoint/2015/main" val="1"/>
+              </p:ext>
+            </p:extLst>
+          </p:nvPr>
+        </p:nvSpPr>
+        <p:spPr bwMode="auto">
+          <a:xfrm>
+            <a:off x="3701" y="-6705"/>
+            <a:ext cx="595313" cy="352734"/>
+          </a:xfrm>
+          <a:custGeom>
+            <a:avLst/>
+            <a:gdLst>
+              <a:gd name="T0" fmla="*/ 125 w 125"/>
+              <a:gd name="T1" fmla="*/ 0 h 74"/>
+              <a:gd name="T2" fmla="*/ 0 w 125"/>
+              <a:gd name="T3" fmla="*/ 74 h 74"/>
+            </a:gdLst>
+            <a:ahLst/>
+            <a:cxnLst>
+              <a:cxn ang="0">
+                <a:pos x="T0" y="T1"/>
+              </a:cxn>
+              <a:cxn ang="0">
+                <a:pos x="T2" y="T3"/>
+              </a:cxn>
+            </a:cxnLst>
+            <a:rect l="0" t="0" r="r" b="b"/>
+            <a:pathLst>
+              <a:path w="125" h="74">
+                <a:moveTo>
+                  <a:pt x="125" y="0"/>
+                </a:moveTo>
+                <a:cubicBezTo>
+                  <a:pt x="85" y="22"/>
+                  <a:pt x="43" y="47"/>
+                  <a:pt x="0" y="74"/>
+                </a:cubicBezTo>
+              </a:path>
+            </a:pathLst>
+          </a:custGeom>
+          <a:noFill/>
+          <a:ln w="9525" cap="flat">
+            <a:solidFill>
+              <a:schemeClr val="tx1">
+                <a:alpha val="20000"/>
+              </a:schemeClr>
+            </a:solidFill>
+            <a:prstDash val="dash"/>
+            <a:miter lim="800000"/>
+            <a:headEnd/>
+            <a:tailEnd/>
+          </a:ln>
+          <a:extLst>
+            <a:ext uri="{909E8E84-426E-40DD-AFC4-6F175D3DCCD1}">
+              <a14:hiddenFill xmlns:a14="http://schemas.microsoft.com/office/drawing/2010/main">
+                <a:solidFill>
+                  <a:srgbClr val="FFFFFF"/>
+                </a:solidFill>
+              </a14:hiddenFill>
+            </a:ext>
+          </a:extLst>
+        </p:spPr>
+        <p:txBody>
+          <a:bodyPr vert="horz" wrap="square" lIns="91440" tIns="45720" rIns="91440" bIns="45720" numCol="1" anchor="t" anchorCtr="0" compatLnSpc="1">
+            <a:prstTxWarp prst="textNoShape">
+              <a:avLst/>
+            </a:prstTxWarp>
+          </a:bodyPr>
+          <a:lstStyle/>
+          <a:p>
+            <a:endParaRPr lang="en-US"/>
+          </a:p>
+        </p:txBody>
+      </p:sp>
+      <p:sp>
+        <p:nvSpPr>
+          <p:cNvPr id="54" name="Freeform 16">
+            <a:extLst>
+              <a:ext uri="{FF2B5EF4-FFF2-40B4-BE49-F238E27FC236}">
+                <a16:creationId xmlns:a16="http://schemas.microsoft.com/office/drawing/2014/main" id="{70A741CC-E736-448A-A94E-5C8BB9711DCD}"/>
+              </a:ext>
+              <a:ext uri="{C183D7F6-B498-43B3-948B-1728B52AA6E4}">
+                <adec:decorative xmlns:adec="http://schemas.microsoft.com/office/drawing/2017/decorative" val="1"/>
+              </a:ext>
+            </a:extLst>
+          </p:cNvPr>
+          <p:cNvSpPr>
+            <a:spLocks noGrp="1" noRot="1" noChangeAspect="1" noMove="1" noResize="1" noEditPoints="1" noAdjustHandles="1" noChangeArrowheads="1" noChangeShapeType="1" noTextEdit="1"/>
+          </p:cNvSpPr>
+          <p:nvPr>
+            <p:extLst>
+              <p:ext uri="{386F3935-93C4-4BCD-93E2-E3B085C9AB24}">
+                <p16:designElem xmlns:p16="http://schemas.microsoft.com/office/powerpoint/2015/main" val="1"/>
+              </p:ext>
+            </p:extLst>
+          </p:nvPr>
+        </p:nvSpPr>
+        <p:spPr bwMode="auto">
+          <a:xfrm>
+            <a:off x="-1061" y="-1916"/>
+            <a:ext cx="357188" cy="213875"/>
+          </a:xfrm>
+          <a:custGeom>
+            <a:avLst/>
+            <a:gdLst>
+              <a:gd name="T0" fmla="*/ 75 w 75"/>
+              <a:gd name="T1" fmla="*/ 0 h 45"/>
+              <a:gd name="T2" fmla="*/ 0 w 75"/>
+              <a:gd name="T3" fmla="*/ 45 h 45"/>
+            </a:gdLst>
+            <a:ahLst/>
+            <a:cxnLst>
+              <a:cxn ang="0">
+                <a:pos x="T0" y="T1"/>
+              </a:cxn>
+              <a:cxn ang="0">
+                <a:pos x="T2" y="T3"/>
+              </a:cxn>
+            </a:cxnLst>
+            <a:rect l="0" t="0" r="r" b="b"/>
+            <a:pathLst>
+              <a:path w="75" h="45">
+                <a:moveTo>
+                  <a:pt x="75" y="0"/>
+                </a:moveTo>
+                <a:cubicBezTo>
+                  <a:pt x="50" y="14"/>
+                  <a:pt x="25" y="29"/>
+                  <a:pt x="0" y="45"/>
+                </a:cubicBezTo>
+              </a:path>
+            </a:pathLst>
+          </a:custGeom>
+          <a:noFill/>
+          <a:ln w="12700" cap="flat">
+            <a:solidFill>
+              <a:schemeClr val="tx1">
+                <a:alpha val="20000"/>
+              </a:schemeClr>
+            </a:solidFill>
+            <a:prstDash val="dashDot"/>
+            <a:miter lim="800000"/>
+            <a:headEnd/>
+            <a:tailEnd/>
+          </a:ln>
+          <a:extLst>
+            <a:ext uri="{909E8E84-426E-40DD-AFC4-6F175D3DCCD1}">
+              <a14:hiddenFill xmlns:a14="http://schemas.microsoft.com/office/drawing/2010/main">
+                <a:solidFill>
+                  <a:srgbClr val="FFFFFF"/>
+                </a:solidFill>
+              </a14:hiddenFill>
+            </a:ext>
+          </a:extLst>
+        </p:spPr>
+        <p:txBody>
+          <a:bodyPr vert="horz" wrap="square" lIns="91440" tIns="45720" rIns="91440" bIns="45720" numCol="1" anchor="t" anchorCtr="0" compatLnSpc="1">
+            <a:prstTxWarp prst="textNoShape">
+              <a:avLst/>
+            </a:prstTxWarp>
+          </a:bodyPr>
+          <a:lstStyle/>
+          <a:p>
+            <a:endParaRPr lang="en-US"/>
+          </a:p>
+        </p:txBody>
+      </p:sp>
+      <p:sp>
+        <p:nvSpPr>
+          <p:cNvPr id="56" name="Freeform 11">
+            <a:extLst>
+              <a:ext uri="{FF2B5EF4-FFF2-40B4-BE49-F238E27FC236}">
+                <a16:creationId xmlns:a16="http://schemas.microsoft.com/office/drawing/2014/main" id="{7C324CDD-B30F-47DD-8627-E2171D5E8399}"/>
+              </a:ext>
+              <a:ext uri="{C183D7F6-B498-43B3-948B-1728B52AA6E4}">
+                <adec:decorative xmlns:adec="http://schemas.microsoft.com/office/drawing/2017/decorative" val="1"/>
+              </a:ext>
+            </a:extLst>
+          </p:cNvPr>
+          <p:cNvSpPr>
+            <a:spLocks noGrp="1" noRot="1" noChangeAspect="1" noMove="1" noResize="1" noEditPoints="1" noAdjustHandles="1" noChangeArrowheads="1" noChangeShapeType="1" noTextEdit="1"/>
+          </p:cNvSpPr>
+          <p:nvPr>
+            <p:extLst>
+              <p:ext uri="{386F3935-93C4-4BCD-93E2-E3B085C9AB24}">
+                <p16:designElem xmlns:p16="http://schemas.microsoft.com/office/powerpoint/2015/main" val="1"/>
+              </p:ext>
+            </p:extLst>
+          </p:nvPr>
+        </p:nvSpPr>
+        <p:spPr bwMode="auto">
+          <a:xfrm>
+            <a:off x="5426601" y="-1916"/>
+            <a:ext cx="5788025" cy="6847184"/>
+          </a:xfrm>
+          <a:custGeom>
+            <a:avLst/>
+            <a:gdLst>
+              <a:gd name="T0" fmla="*/ 1094 w 1216"/>
+              <a:gd name="T1" fmla="*/ 1436 h 1436"/>
+              <a:gd name="T2" fmla="*/ 709 w 1216"/>
+              <a:gd name="T3" fmla="*/ 551 h 1436"/>
+              <a:gd name="T4" fmla="*/ 0 w 1216"/>
+              <a:gd name="T5" fmla="*/ 0 h 1436"/>
+            </a:gdLst>
+            <a:ahLst/>
+            <a:cxnLst>
+              <a:cxn ang="0">
+                <a:pos x="T0" y="T1"/>
+              </a:cxn>
+              <a:cxn ang="0">
+                <a:pos x="T2" y="T3"/>
+              </a:cxn>
+              <a:cxn ang="0">
+                <a:pos x="T4" y="T5"/>
+              </a:cxn>
+            </a:cxnLst>
+            <a:rect l="0" t="0" r="r" b="b"/>
+            <a:pathLst>
+              <a:path w="1216" h="1436">
+                <a:moveTo>
+                  <a:pt x="1094" y="1436"/>
+                </a:moveTo>
+                <a:cubicBezTo>
+                  <a:pt x="1216" y="1114"/>
+                  <a:pt x="904" y="770"/>
+                  <a:pt x="709" y="551"/>
+                </a:cubicBezTo>
+                <a:cubicBezTo>
+                  <a:pt x="509" y="327"/>
+                  <a:pt x="274" y="127"/>
+                  <a:pt x="0" y="0"/>
+                </a:cubicBezTo>
+              </a:path>
+            </a:pathLst>
+          </a:custGeom>
+          <a:noFill/>
+          <a:ln w="9525" cap="flat">
+            <a:solidFill>
+              <a:schemeClr val="tx1">
+                <a:alpha val="20000"/>
+              </a:schemeClr>
+            </a:solidFill>
+            <a:prstDash val="solid"/>
+            <a:miter lim="800000"/>
+            <a:headEnd/>
+            <a:tailEnd/>
+          </a:ln>
+          <a:extLst>
+            <a:ext uri="{909E8E84-426E-40DD-AFC4-6F175D3DCCD1}">
+              <a14:hiddenFill xmlns:a14="http://schemas.microsoft.com/office/drawing/2010/main">
+                <a:solidFill>
+                  <a:srgbClr val="FFFFFF"/>
+                </a:solidFill>
+              </a14:hiddenFill>
+            </a:ext>
+          </a:extLst>
+        </p:spPr>
+        <p:txBody>
+          <a:bodyPr vert="horz" wrap="square" lIns="91440" tIns="45720" rIns="91440" bIns="45720" numCol="1" anchor="t" anchorCtr="0" compatLnSpc="1">
+            <a:prstTxWarp prst="textNoShape">
+              <a:avLst/>
+            </a:prstTxWarp>
+          </a:bodyPr>
+          <a:lstStyle/>
+          <a:p>
+            <a:endParaRPr lang="en-US"/>
+          </a:p>
+        </p:txBody>
+      </p:sp>
+      <p:sp>
+        <p:nvSpPr>
+          <p:cNvPr id="58" name="Freeform 21">
+            <a:extLst>
+              <a:ext uri="{FF2B5EF4-FFF2-40B4-BE49-F238E27FC236}">
+                <a16:creationId xmlns:a16="http://schemas.microsoft.com/office/drawing/2014/main" id="{79C8D19E-E3D6-45A6-BCA2-5918A37D7ACC}"/>
+              </a:ext>
+              <a:ext uri="{C183D7F6-B498-43B3-948B-1728B52AA6E4}">
+                <adec:decorative xmlns:adec="http://schemas.microsoft.com/office/drawing/2017/decorative" val="1"/>
+              </a:ext>
+            </a:extLst>
+          </p:cNvPr>
+          <p:cNvSpPr>
+            <a:spLocks noGrp="1" noRot="1" noChangeAspect="1" noMove="1" noResize="1" noEditPoints="1" noAdjustHandles="1" noChangeArrowheads="1" noChangeShapeType="1" noTextEdit="1"/>
+          </p:cNvSpPr>
+          <p:nvPr>
+            <p:extLst>
+              <p:ext uri="{386F3935-93C4-4BCD-93E2-E3B085C9AB24}">
+                <p16:designElem xmlns:p16="http://schemas.microsoft.com/office/powerpoint/2015/main" val="1"/>
+              </p:ext>
+            </p:extLst>
+          </p:nvPr>
+        </p:nvSpPr>
+        <p:spPr bwMode="auto">
+          <a:xfrm>
+            <a:off x="9235014" y="2872"/>
+            <a:ext cx="2951163" cy="2555325"/>
+          </a:xfrm>
+          <a:custGeom>
+            <a:avLst/>
+            <a:gdLst>
+              <a:gd name="T0" fmla="*/ 620 w 620"/>
+              <a:gd name="T1" fmla="*/ 536 h 536"/>
+              <a:gd name="T2" fmla="*/ 0 w 620"/>
+              <a:gd name="T3" fmla="*/ 0 h 536"/>
+            </a:gdLst>
+            <a:ahLst/>
+            <a:cxnLst>
+              <a:cxn ang="0">
+                <a:pos x="T0" y="T1"/>
+              </a:cxn>
+              <a:cxn ang="0">
+                <a:pos x="T2" y="T3"/>
+              </a:cxn>
+            </a:cxnLst>
+            <a:rect l="0" t="0" r="r" b="b"/>
+            <a:pathLst>
+              <a:path w="620" h="536">
+                <a:moveTo>
+                  <a:pt x="620" y="536"/>
+                </a:moveTo>
+                <a:cubicBezTo>
+                  <a:pt x="404" y="314"/>
+                  <a:pt x="196" y="138"/>
+                  <a:pt x="0" y="0"/>
+                </a:cubicBezTo>
+              </a:path>
+            </a:pathLst>
+          </a:custGeom>
+          <a:noFill/>
+          <a:ln w="9525" cap="flat">
+            <a:solidFill>
+              <a:schemeClr val="tx1">
+                <a:alpha val="20000"/>
+              </a:schemeClr>
+            </a:solidFill>
+            <a:prstDash val="solid"/>
+            <a:miter lim="800000"/>
+            <a:headEnd/>
+            <a:tailEnd/>
+          </a:ln>
+          <a:extLst>
+            <a:ext uri="{909E8E84-426E-40DD-AFC4-6F175D3DCCD1}">
+              <a14:hiddenFill xmlns:a14="http://schemas.microsoft.com/office/drawing/2010/main">
+                <a:solidFill>
+                  <a:srgbClr val="FFFFFF"/>
+                </a:solidFill>
+              </a14:hiddenFill>
+            </a:ext>
+          </a:extLst>
+        </p:spPr>
+        <p:txBody>
+          <a:bodyPr vert="horz" wrap="square" lIns="91440" tIns="45720" rIns="91440" bIns="45720" numCol="1" anchor="t" anchorCtr="0" compatLnSpc="1">
+            <a:prstTxWarp prst="textNoShape">
+              <a:avLst/>
+            </a:prstTxWarp>
+          </a:bodyPr>
+          <a:lstStyle/>
+          <a:p>
+            <a:endParaRPr lang="en-US"/>
+          </a:p>
+        </p:txBody>
+      </p:sp>
+      <p:sp>
+        <p:nvSpPr>
+          <p:cNvPr id="2" name="Title 1">
+            <a:extLst>
+              <a:ext uri="{FF2B5EF4-FFF2-40B4-BE49-F238E27FC236}">
+                <a16:creationId xmlns:a16="http://schemas.microsoft.com/office/drawing/2014/main" id="{343880ED-284E-B902-8B43-4EC816009972}"/>
+              </a:ext>
+            </a:extLst>
+          </p:cNvPr>
+          <p:cNvSpPr>
+            <a:spLocks noGrp="1"/>
+          </p:cNvSpPr>
+          <p:nvPr>
+            <p:ph type="title"/>
+          </p:nvPr>
+        </p:nvSpPr>
+        <p:spPr>
+          <a:xfrm>
+            <a:off x="8825306" y="1477651"/>
+            <a:ext cx="2929372" cy="2468207"/>
+          </a:xfrm>
+        </p:spPr>
+        <p:txBody>
+          <a:bodyPr vert="horz" lIns="228600" tIns="228600" rIns="228600" bIns="0" rtlCol="0" anchor="b">
+            <a:normAutofit/>
+          </a:bodyPr>
+          <a:lstStyle/>
+          <a:p>
+            <a:pPr algn="l">
+              <a:lnSpc>
+                <a:spcPct val="80000"/>
+              </a:lnSpc>
+            </a:pPr>
+            <a:r>
+              <a:rPr lang="en-US" sz="4000">
+                <a:solidFill>
+                  <a:schemeClr val="tx2"/>
+                </a:solidFill>
+              </a:rPr>
+              <a:t>Bedankt voor uw aandacht</a:t>
+            </a:r>
+          </a:p>
+        </p:txBody>
+      </p:sp>
+      <p:sp>
+        <p:nvSpPr>
+          <p:cNvPr id="60" name="Freeform 22">
+            <a:extLst>
+              <a:ext uri="{FF2B5EF4-FFF2-40B4-BE49-F238E27FC236}">
+                <a16:creationId xmlns:a16="http://schemas.microsoft.com/office/drawing/2014/main" id="{43280283-E04A-43CA-BFA1-F285486A2F00}"/>
+              </a:ext>
+              <a:ext uri="{C183D7F6-B498-43B3-948B-1728B52AA6E4}">
+                <adec:decorative xmlns:adec="http://schemas.microsoft.com/office/drawing/2017/decorative" val="1"/>
+              </a:ext>
+            </a:extLst>
+          </p:cNvPr>
+          <p:cNvSpPr>
+            <a:spLocks noGrp="1" noRot="1" noChangeAspect="1" noMove="1" noResize="1" noEditPoints="1" noAdjustHandles="1" noChangeArrowheads="1" noChangeShapeType="1" noTextEdit="1"/>
+          </p:cNvSpPr>
+          <p:nvPr>
+            <p:extLst>
+              <p:ext uri="{386F3935-93C4-4BCD-93E2-E3B085C9AB24}">
+                <p16:designElem xmlns:p16="http://schemas.microsoft.com/office/powerpoint/2015/main" val="1"/>
+              </p:ext>
+            </p:extLst>
+          </p:nvPr>
+        </p:nvSpPr>
+        <p:spPr bwMode="auto">
+          <a:xfrm>
+            <a:off x="10020826" y="-1916"/>
+            <a:ext cx="2165350" cy="1358265"/>
+          </a:xfrm>
+          <a:custGeom>
+            <a:avLst/>
+            <a:gdLst>
+              <a:gd name="T0" fmla="*/ 0 w 455"/>
+              <a:gd name="T1" fmla="*/ 0 h 285"/>
+              <a:gd name="T2" fmla="*/ 455 w 455"/>
+              <a:gd name="T3" fmla="*/ 285 h 285"/>
+            </a:gdLst>
+            <a:ahLst/>
+            <a:cxnLst>
+              <a:cxn ang="0">
+                <a:pos x="T0" y="T1"/>
+              </a:cxn>
+              <a:cxn ang="0">
+                <a:pos x="T2" y="T3"/>
+              </a:cxn>
+            </a:cxnLst>
+            <a:rect l="0" t="0" r="r" b="b"/>
+            <a:pathLst>
+              <a:path w="455" h="285">
+                <a:moveTo>
+                  <a:pt x="0" y="0"/>
+                </a:moveTo>
+                <a:cubicBezTo>
+                  <a:pt x="153" y="85"/>
+                  <a:pt x="308" y="180"/>
+                  <a:pt x="455" y="285"/>
+                </a:cubicBezTo>
+              </a:path>
+            </a:pathLst>
+          </a:custGeom>
+          <a:noFill/>
+          <a:ln w="9525" cap="flat">
+            <a:solidFill>
+              <a:schemeClr val="tx1">
+                <a:alpha val="20000"/>
+              </a:schemeClr>
+            </a:solidFill>
+            <a:prstDash val="dash"/>
+            <a:miter lim="800000"/>
+            <a:headEnd/>
+            <a:tailEnd/>
+          </a:ln>
+          <a:extLst>
+            <a:ext uri="{909E8E84-426E-40DD-AFC4-6F175D3DCCD1}">
+              <a14:hiddenFill xmlns:a14="http://schemas.microsoft.com/office/drawing/2010/main">
+                <a:solidFill>
+                  <a:srgbClr val="FFFFFF"/>
+                </a:solidFill>
+              </a14:hiddenFill>
+            </a:ext>
+          </a:extLst>
+        </p:spPr>
+        <p:txBody>
+          <a:bodyPr vert="horz" wrap="square" lIns="91440" tIns="45720" rIns="91440" bIns="45720" numCol="1" anchor="t" anchorCtr="0" compatLnSpc="1">
+            <a:prstTxWarp prst="textNoShape">
+              <a:avLst/>
+            </a:prstTxWarp>
+          </a:bodyPr>
+          <a:lstStyle/>
+          <a:p>
+            <a:endParaRPr lang="en-US"/>
+          </a:p>
+        </p:txBody>
+      </p:sp>
+      <p:sp>
+        <p:nvSpPr>
+          <p:cNvPr id="62" name="Freeform 23">
+            <a:extLst>
+              <a:ext uri="{FF2B5EF4-FFF2-40B4-BE49-F238E27FC236}">
+                <a16:creationId xmlns:a16="http://schemas.microsoft.com/office/drawing/2014/main" id="{38328CB6-0FC5-4AEA-BC7E-489267CB6F19}"/>
+              </a:ext>
+              <a:ext uri="{C183D7F6-B498-43B3-948B-1728B52AA6E4}">
+                <adec:decorative xmlns:adec="http://schemas.microsoft.com/office/drawing/2017/decorative" val="1"/>
+              </a:ext>
+            </a:extLst>
+          </p:cNvPr>
+          <p:cNvSpPr>
+            <a:spLocks noGrp="1" noRot="1" noChangeAspect="1" noMove="1" noResize="1" noEditPoints="1" noAdjustHandles="1" noChangeArrowheads="1" noChangeShapeType="1" noTextEdit="1"/>
+          </p:cNvSpPr>
+          <p:nvPr>
+            <p:extLst>
+              <p:ext uri="{386F3935-93C4-4BCD-93E2-E3B085C9AB24}">
+                <p16:designElem xmlns:p16="http://schemas.microsoft.com/office/powerpoint/2015/main" val="1"/>
+              </p:ext>
+            </p:extLst>
+          </p:nvPr>
+        </p:nvSpPr>
+        <p:spPr bwMode="auto">
+          <a:xfrm>
+            <a:off x="11290826" y="-1916"/>
+            <a:ext cx="895350" cy="534687"/>
+          </a:xfrm>
+          <a:custGeom>
+            <a:avLst/>
+            <a:gdLst>
+              <a:gd name="T0" fmla="*/ 0 w 188"/>
+              <a:gd name="T1" fmla="*/ 0 h 112"/>
+              <a:gd name="T2" fmla="*/ 188 w 188"/>
+              <a:gd name="T3" fmla="*/ 112 h 112"/>
+            </a:gdLst>
+            <a:ahLst/>
+            <a:cxnLst>
+              <a:cxn ang="0">
+                <a:pos x="T0" y="T1"/>
+              </a:cxn>
+              <a:cxn ang="0">
+                <a:pos x="T2" y="T3"/>
+              </a:cxn>
+            </a:cxnLst>
+            <a:rect l="0" t="0" r="r" b="b"/>
+            <a:pathLst>
+              <a:path w="188" h="112">
+                <a:moveTo>
+                  <a:pt x="0" y="0"/>
+                </a:moveTo>
+                <a:cubicBezTo>
+                  <a:pt x="63" y="36"/>
+                  <a:pt x="126" y="73"/>
+                  <a:pt x="188" y="112"/>
+                </a:cubicBezTo>
+              </a:path>
+            </a:pathLst>
+          </a:custGeom>
+          <a:noFill/>
+          <a:ln w="9525" cap="flat">
+            <a:solidFill>
+              <a:schemeClr val="tx1">
+                <a:alpha val="20000"/>
+              </a:schemeClr>
+            </a:solidFill>
+            <a:prstDash val="solid"/>
+            <a:miter lim="800000"/>
+            <a:headEnd/>
+            <a:tailEnd/>
+          </a:ln>
+          <a:extLst>
+            <a:ext uri="{909E8E84-426E-40DD-AFC4-6F175D3DCCD1}">
+              <a14:hiddenFill xmlns:a14="http://schemas.microsoft.com/office/drawing/2010/main">
+                <a:solidFill>
+                  <a:srgbClr val="FFFFFF"/>
+                </a:solidFill>
+              </a14:hiddenFill>
+            </a:ext>
+          </a:extLst>
+        </p:spPr>
+        <p:txBody>
+          <a:bodyPr vert="horz" wrap="square" lIns="91440" tIns="45720" rIns="91440" bIns="45720" numCol="1" anchor="t" anchorCtr="0" compatLnSpc="1">
+            <a:prstTxWarp prst="textNoShape">
+              <a:avLst/>
+            </a:prstTxWarp>
+          </a:bodyPr>
+          <a:lstStyle/>
+          <a:p>
+            <a:endParaRPr lang="en-US"/>
+          </a:p>
+        </p:txBody>
+      </p:sp>
+      <p:sp>
+        <p:nvSpPr>
+          <p:cNvPr id="64" name="Freeform: Shape 63">
+            <a:extLst>
+              <a:ext uri="{FF2B5EF4-FFF2-40B4-BE49-F238E27FC236}">
+                <a16:creationId xmlns:a16="http://schemas.microsoft.com/office/drawing/2014/main" id="{138AF5D2-3A9C-4E8F-B879-36865366A1D5}"/>
+              </a:ext>
+              <a:ext uri="{C183D7F6-B498-43B3-948B-1728B52AA6E4}">
+                <adec:decorative xmlns:adec="http://schemas.microsoft.com/office/drawing/2017/decorative" val="1"/>
+              </a:ext>
+            </a:extLst>
+          </p:cNvPr>
+          <p:cNvSpPr>
+            <a:spLocks noGrp="1" noRot="1" noChangeAspect="1" noMove="1" noResize="1" noEditPoints="1" noAdjustHandles="1" noChangeArrowheads="1" noChangeShapeType="1" noTextEdit="1"/>
+          </p:cNvSpPr>
+          <p:nvPr>
+            <p:extLst>
+              <p:ext uri="{386F3935-93C4-4BCD-93E2-E3B085C9AB24}">
+                <p16:designElem xmlns:p16="http://schemas.microsoft.com/office/powerpoint/2015/main" val="1"/>
+              </p:ext>
+            </p:extLst>
+          </p:nvPr>
+        </p:nvSpPr>
+        <p:spPr>
+          <a:xfrm rot="20931529">
+            <a:off x="752078" y="2218040"/>
+            <a:ext cx="4418757" cy="4259609"/>
+          </a:xfrm>
+          <a:custGeom>
+            <a:avLst/>
+            <a:gdLst>
+              <a:gd name="connsiteX0" fmla="*/ 404107 w 4507111"/>
+              <a:gd name="connsiteY0" fmla="*/ 0 h 4344781"/>
+              <a:gd name="connsiteX1" fmla="*/ 371857 w 4507111"/>
+              <a:gd name="connsiteY1" fmla="*/ 117359 h 4344781"/>
+              <a:gd name="connsiteX2" fmla="*/ 307833 w 4507111"/>
+              <a:gd name="connsiteY2" fmla="*/ 632970 h 4344781"/>
+              <a:gd name="connsiteX3" fmla="*/ 3569418 w 4507111"/>
+              <a:gd name="connsiteY3" fmla="*/ 4141149 h 4344781"/>
+              <a:gd name="connsiteX4" fmla="*/ 4440861 w 4507111"/>
+              <a:gd name="connsiteY4" fmla="*/ 4332480 h 4344781"/>
+              <a:gd name="connsiteX5" fmla="*/ 4507111 w 4507111"/>
+              <a:gd name="connsiteY5" fmla="*/ 4341752 h 4344781"/>
+              <a:gd name="connsiteX6" fmla="*/ 4296045 w 4507111"/>
+              <a:gd name="connsiteY6" fmla="*/ 4344781 h 4344781"/>
+              <a:gd name="connsiteX7" fmla="*/ 3749565 w 4507111"/>
+              <a:gd name="connsiteY7" fmla="*/ 4321853 h 4344781"/>
+              <a:gd name="connsiteX8" fmla="*/ 36764 w 4507111"/>
+              <a:gd name="connsiteY8" fmla="*/ 1629794 h 4344781"/>
+              <a:gd name="connsiteX9" fmla="*/ 300069 w 4507111"/>
+              <a:gd name="connsiteY9" fmla="*/ 144750 h 4344781"/>
+            </a:gdLst>
+            <a:ahLst/>
+            <a:cxnLst>
+              <a:cxn ang="0">
+                <a:pos x="connsiteX0" y="connsiteY0"/>
+              </a:cxn>
+              <a:cxn ang="0">
+                <a:pos x="connsiteX1" y="connsiteY1"/>
+              </a:cxn>
+              <a:cxn ang="0">
+                <a:pos x="connsiteX2" y="connsiteY2"/>
+              </a:cxn>
+              <a:cxn ang="0">
+                <a:pos x="connsiteX3" y="connsiteY3"/>
+              </a:cxn>
+              <a:cxn ang="0">
+                <a:pos x="connsiteX4" y="connsiteY4"/>
+              </a:cxn>
+              <a:cxn ang="0">
+                <a:pos x="connsiteX5" y="connsiteY5"/>
+              </a:cxn>
+              <a:cxn ang="0">
+                <a:pos x="connsiteX6" y="connsiteY6"/>
+              </a:cxn>
+              <a:cxn ang="0">
+                <a:pos x="connsiteX7" y="connsiteY7"/>
+              </a:cxn>
+              <a:cxn ang="0">
+                <a:pos x="connsiteX8" y="connsiteY8"/>
+              </a:cxn>
+              <a:cxn ang="0">
+                <a:pos x="connsiteX9" y="connsiteY9"/>
+              </a:cxn>
+            </a:cxnLst>
+            <a:rect l="l" t="t" r="r" b="b"/>
+            <a:pathLst>
+              <a:path w="4507111" h="4344781">
+                <a:moveTo>
+                  <a:pt x="404107" y="0"/>
+                </a:moveTo>
+                <a:lnTo>
+                  <a:pt x="371857" y="117359"/>
+                </a:lnTo>
+                <a:cubicBezTo>
+                  <a:pt x="333827" y="278567"/>
+                  <a:pt x="311875" y="450459"/>
+                  <a:pt x="307833" y="632970"/>
+                </a:cubicBezTo>
+                <a:cubicBezTo>
+                  <a:pt x="264711" y="2579752"/>
+                  <a:pt x="2253987" y="3769243"/>
+                  <a:pt x="3569418" y="4141149"/>
+                </a:cubicBezTo>
+                <a:cubicBezTo>
+                  <a:pt x="3816061" y="4210881"/>
+                  <a:pt x="4114807" y="4279754"/>
+                  <a:pt x="4440861" y="4332480"/>
+                </a:cubicBezTo>
+                <a:lnTo>
+                  <a:pt x="4507111" y="4341752"/>
+                </a:lnTo>
+                <a:lnTo>
+                  <a:pt x="4296045" y="4344781"/>
+                </a:lnTo>
+                <a:cubicBezTo>
+                  <a:pt x="4097363" y="4343711"/>
+                  <a:pt x="3912623" y="4335104"/>
+                  <a:pt x="3749565" y="4321853"/>
+                </a:cubicBezTo>
+                <a:cubicBezTo>
+                  <a:pt x="2445102" y="4215850"/>
+                  <a:pt x="356405" y="3466499"/>
+                  <a:pt x="36764" y="1629794"/>
+                </a:cubicBezTo>
+                <a:cubicBezTo>
+                  <a:pt x="-63123" y="1055823"/>
+                  <a:pt x="45741" y="555869"/>
+                  <a:pt x="300069" y="144750"/>
+                </a:cubicBezTo>
+                <a:close/>
+              </a:path>
+            </a:pathLst>
+          </a:custGeom>
+          <a:solidFill>
+            <a:schemeClr val="tx1">
+              <a:alpha val="70000"/>
+            </a:schemeClr>
+          </a:solidFill>
+          <a:ln>
+            <a:noFill/>
+          </a:ln>
+        </p:spPr>
+        <p:style>
+          <a:lnRef idx="2">
+            <a:schemeClr val="accent1">
+              <a:shade val="50000"/>
+            </a:schemeClr>
+          </a:lnRef>
+          <a:fillRef idx="1">
+            <a:schemeClr val="accent1"/>
+          </a:fillRef>
+          <a:effectRef idx="0">
+            <a:schemeClr val="accent1"/>
+          </a:effectRef>
+          <a:fontRef idx="minor">
+            <a:schemeClr val="lt1"/>
+          </a:fontRef>
+        </p:style>
+        <p:txBody>
+          <a:bodyPr wrap="square" rtlCol="0" anchor="ctr">
+            <a:noAutofit/>
+          </a:bodyPr>
+          <a:lstStyle/>
+          <a:p>
+            <a:pPr marL="0" marR="0" lvl="0" indent="0" algn="ctr" defTabSz="457200" rtl="0" eaLnBrk="1" fontAlgn="auto" latinLnBrk="0" hangingPunct="1">
+              <a:lnSpc>
+                <a:spcPct val="100000"/>
+              </a:lnSpc>
+              <a:spcBef>
+                <a:spcPts val="0"/>
+              </a:spcBef>
+              <a:spcAft>
+                <a:spcPts val="0"/>
+              </a:spcAft>
+              <a:buClrTx/>
+              <a:buSzTx/>
+              <a:buFontTx/>
+              <a:buNone/>
+              <a:tabLst/>
+              <a:defRPr/>
+            </a:pPr>
+            <a:endParaRPr kumimoji="0" lang="en-US" sz="1800" b="0" i="0" u="none" strike="noStrike" kern="1200" cap="none" spc="0" normalizeH="0" baseline="0" noProof="0">
+              <a:ln>
+                <a:noFill/>
+              </a:ln>
+              <a:solidFill>
+                <a:prstClr val="white"/>
+              </a:solidFill>
+              <a:effectLst/>
+              <a:uLnTx/>
+              <a:uFillTx/>
+              <a:latin typeface="Rockwell" panose="02060603020205020403"/>
+              <a:ea typeface="+mn-ea"/>
+              <a:cs typeface="+mn-cs"/>
+            </a:endParaRPr>
+          </a:p>
+        </p:txBody>
+      </p:sp>
+      <p:pic>
+        <p:nvPicPr>
+          <p:cNvPr id="5" name="Afbeelding 4" descr="Afbeelding met binnen, venster, vloer, kamer&#10;&#10;Automatisch gegenereerde beschrijving">
+            <a:extLst>
+              <a:ext uri="{FF2B5EF4-FFF2-40B4-BE49-F238E27FC236}">
+                <a16:creationId xmlns:a16="http://schemas.microsoft.com/office/drawing/2014/main" id="{44CC6E50-B877-41D7-8C67-6D89946F7092}"/>
+              </a:ext>
+            </a:extLst>
+          </p:cNvPr>
+          <p:cNvPicPr>
+            <a:picLocks noChangeAspect="1"/>
+          </p:cNvPicPr>
+          <p:nvPr/>
+        </p:nvPicPr>
+        <p:blipFill rotWithShape="1">
+          <a:blip r:embed="rId2">
+            <a:extLst>
+              <a:ext uri="{28A0092B-C50C-407E-A947-70E740481C1C}">
+                <a14:useLocalDpi xmlns:a14="http://schemas.microsoft.com/office/drawing/2010/main" val="0"/>
+              </a:ext>
+            </a:extLst>
+          </a:blip>
+          <a:srcRect r="1" b="8218"/>
+          <a:stretch/>
+        </p:blipFill>
+        <p:spPr>
+          <a:xfrm>
+            <a:off x="932740" y="461405"/>
+            <a:ext cx="7761924" cy="5343065"/>
+          </a:xfrm>
+          <a:custGeom>
+            <a:avLst/>
+            <a:gdLst/>
+            <a:ahLst/>
+            <a:cxnLst/>
+            <a:rect l="l" t="t" r="r" b="b"/>
+            <a:pathLst>
+              <a:path w="7761924" h="5343065">
+                <a:moveTo>
+                  <a:pt x="3025687" y="76"/>
+                </a:moveTo>
+                <a:cubicBezTo>
+                  <a:pt x="3140786" y="756"/>
+                  <a:pt x="3256631" y="6055"/>
+                  <a:pt x="3372722" y="16088"/>
+                </a:cubicBezTo>
+                <a:cubicBezTo>
+                  <a:pt x="5230178" y="176616"/>
+                  <a:pt x="7761924" y="1424594"/>
+                  <a:pt x="7761924" y="3316816"/>
+                </a:cubicBezTo>
+                <a:cubicBezTo>
+                  <a:pt x="7646022" y="5237647"/>
+                  <a:pt x="4988715" y="5423921"/>
+                  <a:pt x="3701109" y="5320611"/>
+                </a:cubicBezTo>
+                <a:cubicBezTo>
+                  <a:pt x="2413504" y="5217301"/>
+                  <a:pt x="351800" y="4486992"/>
+                  <a:pt x="36290" y="2696959"/>
+                </a:cubicBezTo>
+                <a:cubicBezTo>
+                  <a:pt x="-259500" y="1018804"/>
+                  <a:pt x="1299198" y="-10133"/>
+                  <a:pt x="3025687" y="76"/>
+                </a:cubicBezTo>
+                <a:close/>
+              </a:path>
+            </a:pathLst>
+          </a:custGeom>
+        </p:spPr>
+      </p:pic>
+    </p:spTree>
+    <p:extLst>
+      <p:ext uri="{BB962C8B-B14F-4D97-AF65-F5344CB8AC3E}">
+        <p14:creationId xmlns:p14="http://schemas.microsoft.com/office/powerpoint/2010/main" val="3201393277"/>
+      </p:ext>
+    </p:extLst>
+  </p:cSld>
+  <p:clrMapOvr>
+    <a:masterClrMapping/>
+  </p:clrMapOvr>
+  <p:timing>
+    <p:tnLst>
+      <p:par>
+        <p:cTn id="1" dur="indefinite" restart="never" nodeType="tmRoot">
+          <p:childTnLst>
+            <p:seq concurrent="1" nextAc="seek">
+              <p:cTn id="2" dur="indefinite" nodeType="mainSeq">
+                <p:childTnLst>
+                  <p:par>
+                    <p:cTn id="3" fill="hold">
+                      <p:stCondLst>
+                        <p:cond delay="indefinite"/>
+                        <p:cond evt="onBegin" delay="0">
+                          <p:tn val="2"/>
+                        </p:cond>
+                      </p:stCondLst>
+                      <p:childTnLst>
+                        <p:par>
+                          <p:cTn id="4" fill="hold">
+                            <p:stCondLst>
+                              <p:cond delay="0"/>
+                            </p:stCondLst>
+                            <p:childTnLst>
+                              <p:par>
+                                <p:cTn id="5" presetID="2" presetClass="entr" presetSubtype="2" fill="hold" grpId="0" nodeType="withEffect">
+                                  <p:stCondLst>
+                                    <p:cond delay="0"/>
+                                  </p:stCondLst>
+                                  <p:childTnLst>
+                                    <p:set>
+                                      <p:cBhvr>
+                                        <p:cTn id="6" dur="1" fill="hold">
+                                          <p:stCondLst>
+                                            <p:cond delay="0"/>
+                                          </p:stCondLst>
+                                        </p:cTn>
+                                        <p:tgtEl>
+                                          <p:spTgt spid="2"/>
+                                        </p:tgtEl>
+                                        <p:attrNameLst>
+                                          <p:attrName>style.visibility</p:attrName>
+                                        </p:attrNameLst>
+                                      </p:cBhvr>
+                                      <p:to>
+                                        <p:strVal val="visible"/>
+                                      </p:to>
+                                    </p:set>
+                                    <p:anim calcmode="lin" valueType="num">
+                                      <p:cBhvr additive="base">
+                                        <p:cTn id="7" dur="500" fill="hold"/>
+                                        <p:tgtEl>
+                                          <p:spTgt spid="2"/>
+                                        </p:tgtEl>
+                                        <p:attrNameLst>
+                                          <p:attrName>ppt_x</p:attrName>
+                                        </p:attrNameLst>
+                                      </p:cBhvr>
+                                      <p:tavLst>
+                                        <p:tav tm="0">
+                                          <p:val>
+                                            <p:strVal val="1+#ppt_w/2"/>
+                                          </p:val>
+                                        </p:tav>
+                                        <p:tav tm="100000">
+                                          <p:val>
+                                            <p:strVal val="#ppt_x"/>
+                                          </p:val>
+                                        </p:tav>
+                                      </p:tavLst>
+                                    </p:anim>
+                                    <p:anim calcmode="lin" valueType="num">
+                                      <p:cBhvr additive="base">
+                                        <p:cTn id="8" dur="500" fill="hold"/>
+                                        <p:tgtEl>
+                                          <p:spTgt spid="2"/>
+                                        </p:tgtEl>
+                                        <p:attrNameLst>
+                                          <p:attrName>ppt_y</p:attrName>
+                                        </p:attrNameLst>
+                                      </p:cBhvr>
+                                      <p:tavLst>
+                                        <p:tav tm="0">
+                                          <p:val>
+                                            <p:strVal val="#ppt_y"/>
+                                          </p:val>
+                                        </p:tav>
+                                        <p:tav tm="100000">
+                                          <p:val>
+                                            <p:strVal val="#ppt_y"/>
+                                          </p:val>
+                                        </p:tav>
+                                      </p:tavLst>
+                                    </p:anim>
+                                  </p:childTnLst>
+                                </p:cTn>
+                              </p:par>
+                            </p:childTnLst>
+                          </p:cTn>
+                        </p:par>
+                        <p:par>
+                          <p:cTn id="9" fill="hold">
+                            <p:stCondLst>
+                              <p:cond delay="500"/>
+                            </p:stCondLst>
+                            <p:childTnLst>
+                              <p:par>
+                                <p:cTn id="10" presetID="10" presetClass="entr" presetSubtype="0" fill="hold" nodeType="afterEffect">
+                                  <p:stCondLst>
+                                    <p:cond delay="0"/>
+                                  </p:stCondLst>
+                                  <p:childTnLst>
+                                    <p:set>
+                                      <p:cBhvr>
+                                        <p:cTn id="11" dur="1" fill="hold">
+                                          <p:stCondLst>
+                                            <p:cond delay="0"/>
+                                          </p:stCondLst>
+                                        </p:cTn>
+                                        <p:tgtEl>
+                                          <p:spTgt spid="5"/>
+                                        </p:tgtEl>
+                                        <p:attrNameLst>
+                                          <p:attrName>style.visibility</p:attrName>
+                                        </p:attrNameLst>
+                                      </p:cBhvr>
+                                      <p:to>
+                                        <p:strVal val="visible"/>
+                                      </p:to>
+                                    </p:set>
+                                    <p:animEffect transition="in" filter="fade">
+                                      <p:cBhvr>
+                                        <p:cTn id="12" dur="3000"/>
+                                        <p:tgtEl>
+                                          <p:spTgt spid="5"/>
+                                        </p:tgtEl>
+                                      </p:cBhvr>
+                                    </p:animEffect>
+                                  </p:childTnLst>
+                                </p:cTn>
+                              </p:par>
+                            </p:childTnLst>
+                          </p:cTn>
+                        </p:par>
+                      </p:childTnLst>
+                    </p:cTn>
+                  </p:par>
+                </p:childTnLst>
+              </p:cTn>
+              <p:prevCondLst>
+                <p:cond evt="onPrev" delay="0">
+                  <p:tgtEl>
+                    <p:sldTgt/>
+                  </p:tgtEl>
+                </p:cond>
+              </p:prevCondLst>
+              <p:nextCondLst>
+                <p:cond evt="onNext" delay="0">
+                  <p:tgtEl>
+                    <p:sldTgt/>
+                  </p:tgtEl>
+                </p:cond>
+              </p:nextCondLst>
+            </p:seq>
+          </p:childTnLst>
+        </p:cTn>
+      </p:par>
+    </p:tnLst>
+    <p:bldLst>
+      <p:bldP spid="2" grpId="0"/>
+    </p:bldLst>
+  </p:timing>
 </p:sld>
 </file>
 
